--- a/powerpoint/projet_4_powerpoint.pptx
+++ b/powerpoint/projet_4_powerpoint.pptx
@@ -5,7 +5,7 @@
     <p:sldMasterId id="2147483648" r:id="rId1"/>
   </p:sldMasterIdLst>
   <p:notesMasterIdLst>
-    <p:notesMasterId r:id="rId14"/>
+    <p:notesMasterId r:id="rId21"/>
   </p:notesMasterIdLst>
   <p:sldIdLst>
     <p:sldId id="256" r:id="rId2"/>
@@ -13,13 +13,20 @@
     <p:sldId id="268" r:id="rId4"/>
     <p:sldId id="269" r:id="rId5"/>
     <p:sldId id="270" r:id="rId6"/>
-    <p:sldId id="266" r:id="rId7"/>
-    <p:sldId id="259" r:id="rId8"/>
-    <p:sldId id="261" r:id="rId9"/>
-    <p:sldId id="262" r:id="rId10"/>
-    <p:sldId id="263" r:id="rId11"/>
-    <p:sldId id="264" r:id="rId12"/>
-    <p:sldId id="272" r:id="rId13"/>
+    <p:sldId id="273" r:id="rId7"/>
+    <p:sldId id="274" r:id="rId8"/>
+    <p:sldId id="275" r:id="rId9"/>
+    <p:sldId id="276" r:id="rId10"/>
+    <p:sldId id="277" r:id="rId11"/>
+    <p:sldId id="266" r:id="rId12"/>
+    <p:sldId id="259" r:id="rId13"/>
+    <p:sldId id="261" r:id="rId14"/>
+    <p:sldId id="262" r:id="rId15"/>
+    <p:sldId id="263" r:id="rId16"/>
+    <p:sldId id="264" r:id="rId17"/>
+    <p:sldId id="278" r:id="rId18"/>
+    <p:sldId id="279" r:id="rId19"/>
+    <p:sldId id="272" r:id="rId20"/>
   </p:sldIdLst>
   <p:sldSz cx="9144000" cy="6858000" type="screen4x3"/>
   <p:notesSz cx="6858000" cy="9144000"/>
@@ -204,7 +211,7 @@
             <a:fld id="{AB34DA66-0BDC-4D7B-B407-8DCF8152765F}" type="datetimeFigureOut">
               <a:rPr lang="fr-FR" smtClean="0"/>
               <a:pPr/>
-              <a:t>01/04/2022</a:t>
+              <a:t>06/08/2022</a:t>
             </a:fld>
             <a:endParaRPr lang="fr-FR" dirty="0"/>
           </a:p>
@@ -758,7 +765,7 @@
             <a:fld id="{2B49FABD-355A-4D24-A732-C39FCEB28E81}" type="slidenum">
               <a:rPr lang="fr-FR" smtClean="0"/>
               <a:pPr/>
-              <a:t>12</a:t>
+              <a:t>19</a:t>
             </a:fld>
             <a:endParaRPr lang="fr-FR" dirty="0"/>
           </a:p>
@@ -954,7 +961,7 @@
             <a:fld id="{50A0C516-A153-4A99-B119-9FF8F0A57598}" type="datetimeFigureOut">
               <a:rPr lang="fr-FR" smtClean="0"/>
               <a:pPr/>
-              <a:t>01/04/2022</a:t>
+              <a:t>06/08/2022</a:t>
             </a:fld>
             <a:endParaRPr lang="fr-FR" dirty="0"/>
           </a:p>
@@ -1121,7 +1128,7 @@
             <a:fld id="{50A0C516-A153-4A99-B119-9FF8F0A57598}" type="datetimeFigureOut">
               <a:rPr lang="fr-FR" smtClean="0"/>
               <a:pPr/>
-              <a:t>01/04/2022</a:t>
+              <a:t>06/08/2022</a:t>
             </a:fld>
             <a:endParaRPr lang="fr-FR" dirty="0"/>
           </a:p>
@@ -1298,7 +1305,7 @@
             <a:fld id="{50A0C516-A153-4A99-B119-9FF8F0A57598}" type="datetimeFigureOut">
               <a:rPr lang="fr-FR" smtClean="0"/>
               <a:pPr/>
-              <a:t>01/04/2022</a:t>
+              <a:t>06/08/2022</a:t>
             </a:fld>
             <a:endParaRPr lang="fr-FR" dirty="0"/>
           </a:p>
@@ -1465,7 +1472,7 @@
             <a:fld id="{50A0C516-A153-4A99-B119-9FF8F0A57598}" type="datetimeFigureOut">
               <a:rPr lang="fr-FR" smtClean="0"/>
               <a:pPr/>
-              <a:t>01/04/2022</a:t>
+              <a:t>06/08/2022</a:t>
             </a:fld>
             <a:endParaRPr lang="fr-FR" dirty="0"/>
           </a:p>
@@ -1708,7 +1715,7 @@
             <a:fld id="{50A0C516-A153-4A99-B119-9FF8F0A57598}" type="datetimeFigureOut">
               <a:rPr lang="fr-FR" smtClean="0"/>
               <a:pPr/>
-              <a:t>01/04/2022</a:t>
+              <a:t>06/08/2022</a:t>
             </a:fld>
             <a:endParaRPr lang="fr-FR" dirty="0"/>
           </a:p>
@@ -1993,7 +2000,7 @@
             <a:fld id="{50A0C516-A153-4A99-B119-9FF8F0A57598}" type="datetimeFigureOut">
               <a:rPr lang="fr-FR" smtClean="0"/>
               <a:pPr/>
-              <a:t>01/04/2022</a:t>
+              <a:t>06/08/2022</a:t>
             </a:fld>
             <a:endParaRPr lang="fr-FR" dirty="0"/>
           </a:p>
@@ -2412,7 +2419,7 @@
             <a:fld id="{50A0C516-A153-4A99-B119-9FF8F0A57598}" type="datetimeFigureOut">
               <a:rPr lang="fr-FR" smtClean="0"/>
               <a:pPr/>
-              <a:t>01/04/2022</a:t>
+              <a:t>06/08/2022</a:t>
             </a:fld>
             <a:endParaRPr lang="fr-FR" dirty="0"/>
           </a:p>
@@ -2527,7 +2534,7 @@
             <a:fld id="{50A0C516-A153-4A99-B119-9FF8F0A57598}" type="datetimeFigureOut">
               <a:rPr lang="fr-FR" smtClean="0"/>
               <a:pPr/>
-              <a:t>01/04/2022</a:t>
+              <a:t>06/08/2022</a:t>
             </a:fld>
             <a:endParaRPr lang="fr-FR" dirty="0"/>
           </a:p>
@@ -2619,7 +2626,7 @@
             <a:fld id="{50A0C516-A153-4A99-B119-9FF8F0A57598}" type="datetimeFigureOut">
               <a:rPr lang="fr-FR" smtClean="0"/>
               <a:pPr/>
-              <a:t>01/04/2022</a:t>
+              <a:t>06/08/2022</a:t>
             </a:fld>
             <a:endParaRPr lang="fr-FR" dirty="0"/>
           </a:p>
@@ -2893,7 +2900,7 @@
             <a:fld id="{50A0C516-A153-4A99-B119-9FF8F0A57598}" type="datetimeFigureOut">
               <a:rPr lang="fr-FR" smtClean="0"/>
               <a:pPr/>
-              <a:t>01/04/2022</a:t>
+              <a:t>06/08/2022</a:t>
             </a:fld>
             <a:endParaRPr lang="fr-FR" dirty="0"/>
           </a:p>
@@ -3143,7 +3150,7 @@
             <a:fld id="{50A0C516-A153-4A99-B119-9FF8F0A57598}" type="datetimeFigureOut">
               <a:rPr lang="fr-FR" smtClean="0"/>
               <a:pPr/>
-              <a:t>01/04/2022</a:t>
+              <a:t>06/08/2022</a:t>
             </a:fld>
             <a:endParaRPr lang="fr-FR" dirty="0"/>
           </a:p>
@@ -3353,7 +3360,7 @@
             <a:fld id="{50A0C516-A153-4A99-B119-9FF8F0A57598}" type="datetimeFigureOut">
               <a:rPr lang="fr-FR" smtClean="0"/>
               <a:pPr/>
-              <a:t>01/04/2022</a:t>
+              <a:t>06/08/2022</a:t>
             </a:fld>
             <a:endParaRPr lang="fr-FR" dirty="0"/>
           </a:p>
@@ -3752,7 +3759,7 @@
             </a:r>
             <a:r>
               <a:rPr lang="fr-FR" dirty="0" smtClean="0"/>
-              <a:t>3 </a:t>
+              <a:t>4 </a:t>
             </a:r>
             <a:endParaRPr lang="fr-FR" dirty="0"/>
           </a:p>
@@ -3775,7 +3782,7 @@
           <a:p>
             <a:r>
               <a:rPr lang="fr-FR" dirty="0" err="1" smtClean="0"/>
-              <a:t>Entrevoisins</a:t>
+              <a:t>Lamzone</a:t>
             </a:r>
             <a:endParaRPr lang="fr-FR" dirty="0"/>
           </a:p>
@@ -3822,8 +3829,16 @@
           <a:lstStyle/>
           <a:p>
             <a:r>
+              <a:rPr lang="fr-FR" dirty="0" smtClean="0"/>
+              <a:t>Création du « </a:t>
+            </a:r>
+            <a:r>
               <a:rPr lang="fr-FR" dirty="0" err="1" smtClean="0"/>
-              <a:t>NeighbourApiService</a:t>
+              <a:t>DummyApiService</a:t>
+            </a:r>
+            <a:r>
+              <a:rPr lang="fr-FR" dirty="0" smtClean="0"/>
+              <a:t> »</a:t>
             </a:r>
             <a:endParaRPr lang="fr-FR" dirty="0"/>
           </a:p>
@@ -3831,7 +3846,7 @@
       </p:sp>
       <p:pic>
         <p:nvPicPr>
-          <p:cNvPr id="6" name="Espace réservé du contenu 5" descr="api.JPG"/>
+          <p:cNvPr id="4" name="Espace réservé du contenu 3" descr="Dummy.JPG"/>
           <p:cNvPicPr>
             <a:picLocks noGrp="1" noChangeAspect="1"/>
           </p:cNvPicPr>
@@ -3847,8 +3862,8 @@
         </p:blipFill>
         <p:spPr>
           <a:xfrm>
-            <a:off x="457200" y="1340768"/>
-            <a:ext cx="8229600" cy="5112568"/>
+            <a:off x="540275" y="1600200"/>
+            <a:ext cx="8063449" cy="4997152"/>
           </a:xfrm>
         </p:spPr>
       </p:pic>
@@ -3888,43 +3903,32 @@
           </p:nvPr>
         </p:nvSpPr>
         <p:spPr/>
-        <p:txBody>
-          <a:bodyPr>
-            <a:normAutofit/>
-          </a:bodyPr>
-          <a:lstStyle/>
-          <a:p>
-            <a:r>
-              <a:rPr lang="fr-FR" dirty="0" err="1" smtClean="0"/>
-              <a:t>NeighbourFragment</a:t>
-            </a:r>
-            <a:endParaRPr lang="fr-FR" dirty="0"/>
-          </a:p>
-        </p:txBody>
-      </p:sp>
-      <p:pic>
-        <p:nvPicPr>
-          <p:cNvPr id="6" name="Espace réservé du contenu 5" descr="NeighbourFragment.JPG"/>
-          <p:cNvPicPr>
-            <a:picLocks noGrp="1" noChangeAspect="1"/>
-          </p:cNvPicPr>
-          <p:nvPr>
-            <p:ph idx="1"/>
-          </p:nvPr>
-        </p:nvPicPr>
-        <p:blipFill>
-          <a:blip r:embed="rId2" cstate="print"/>
-          <a:stretch>
-            <a:fillRect/>
-          </a:stretch>
-        </p:blipFill>
-        <p:spPr>
-          <a:xfrm>
-            <a:off x="530506" y="1268760"/>
-            <a:ext cx="8082987" cy="5256584"/>
-          </a:xfrm>
-        </p:spPr>
-      </p:pic>
+        <p:style>
+          <a:lnRef idx="3">
+            <a:schemeClr val="lt1"/>
+          </a:lnRef>
+          <a:fillRef idx="1">
+            <a:schemeClr val="accent1"/>
+          </a:fillRef>
+          <a:effectRef idx="1">
+            <a:schemeClr val="accent1"/>
+          </a:effectRef>
+          <a:fontRef idx="minor">
+            <a:schemeClr val="lt1"/>
+          </a:fontRef>
+        </p:style>
+        <p:txBody>
+          <a:bodyPr/>
+          <a:lstStyle/>
+          <a:p>
+            <a:r>
+              <a:rPr lang="fr-FR" dirty="0" smtClean="0"/>
+              <a:t>Les tests</a:t>
+            </a:r>
+            <a:endParaRPr lang="fr-FR" dirty="0"/>
+          </a:p>
+        </p:txBody>
+      </p:sp>
     </p:spTree>
   </p:cSld>
   <p:clrMapOvr>
@@ -3967,20 +3971,153 @@
           <a:p>
             <a:r>
               <a:rPr lang="fr-FR" dirty="0" smtClean="0"/>
-              <a:t>Ce que je retiens:</a:t>
-            </a:r>
-            <a:endParaRPr lang="fr-FR" dirty="0"/>
-          </a:p>
-        </p:txBody>
-      </p:sp>
-      <p:sp>
-        <p:nvSpPr>
-          <p:cNvPr id="3" name="Espace réservé du contenu 2"/>
-          <p:cNvSpPr>
-            <a:spLocks noGrp="1"/>
-          </p:cNvSpPr>
+              <a:t>Test unitaire</a:t>
+            </a:r>
+            <a:endParaRPr lang="fr-FR" dirty="0"/>
+          </a:p>
+        </p:txBody>
+      </p:sp>
+      <p:pic>
+        <p:nvPicPr>
+          <p:cNvPr id="5" name="Espace réservé du contenu 4" descr="test_unitaire.JPG"/>
+          <p:cNvPicPr>
+            <a:picLocks noGrp="1" noChangeAspect="1"/>
+          </p:cNvPicPr>
           <p:nvPr>
             <p:ph idx="1"/>
+          </p:nvPr>
+        </p:nvPicPr>
+        <p:blipFill>
+          <a:blip r:embed="rId2" cstate="print"/>
+          <a:stretch>
+            <a:fillRect/>
+          </a:stretch>
+        </p:blipFill>
+        <p:spPr>
+          <a:xfrm>
+            <a:off x="547869" y="1600200"/>
+            <a:ext cx="8048261" cy="4525963"/>
+          </a:xfrm>
+        </p:spPr>
+      </p:pic>
+    </p:spTree>
+  </p:cSld>
+  <p:clrMapOvr>
+    <a:masterClrMapping/>
+  </p:clrMapOvr>
+</p:sld>
+</file>
+
+<file path=ppt/slides/slide13.xml><?xml version="1.0" encoding="utf-8"?>
+<p:sld xmlns:a="http://schemas.openxmlformats.org/drawingml/2006/main" xmlns:r="http://schemas.openxmlformats.org/officeDocument/2006/relationships" xmlns:p="http://schemas.openxmlformats.org/presentationml/2006/main">
+  <p:cSld>
+    <p:spTree>
+      <p:nvGrpSpPr>
+        <p:cNvPr id="1" name=""/>
+        <p:cNvGrpSpPr/>
+        <p:nvPr/>
+      </p:nvGrpSpPr>
+      <p:grpSpPr>
+        <a:xfrm>
+          <a:off x="0" y="0"/>
+          <a:ext cx="0" cy="0"/>
+          <a:chOff x="0" y="0"/>
+          <a:chExt cx="0" cy="0"/>
+        </a:xfrm>
+      </p:grpSpPr>
+      <p:sp>
+        <p:nvSpPr>
+          <p:cNvPr id="2" name="Titre 1"/>
+          <p:cNvSpPr>
+            <a:spLocks noGrp="1"/>
+          </p:cNvSpPr>
+          <p:nvPr>
+            <p:ph type="title"/>
+          </p:nvPr>
+        </p:nvSpPr>
+        <p:spPr/>
+        <p:txBody>
+          <a:bodyPr>
+            <a:normAutofit fontScale="90000"/>
+          </a:bodyPr>
+          <a:lstStyle/>
+          <a:p>
+            <a:r>
+              <a:rPr lang="fr-FR" dirty="0" err="1" smtClean="0"/>
+              <a:t>Screenshot</a:t>
+            </a:r>
+            <a:r>
+              <a:rPr lang="fr-FR" dirty="0" smtClean="0"/>
+              <a:t>  du « </a:t>
+            </a:r>
+            <a:r>
+              <a:rPr lang="fr-FR" dirty="0" err="1" smtClean="0"/>
+              <a:t>MeetingServiceTest</a:t>
+            </a:r>
+            <a:r>
+              <a:rPr lang="fr-FR" dirty="0" smtClean="0"/>
+              <a:t> »</a:t>
+            </a:r>
+            <a:endParaRPr lang="fr-FR" dirty="0"/>
+          </a:p>
+        </p:txBody>
+      </p:sp>
+      <p:pic>
+        <p:nvPicPr>
+          <p:cNvPr id="5" name="Espace réservé du contenu 4" descr="MeetingServiceTest.JPG"/>
+          <p:cNvPicPr>
+            <a:picLocks noGrp="1" noChangeAspect="1"/>
+          </p:cNvPicPr>
+          <p:nvPr>
+            <p:ph idx="1"/>
+          </p:nvPr>
+        </p:nvPicPr>
+        <p:blipFill>
+          <a:blip r:embed="rId2" cstate="print"/>
+          <a:stretch>
+            <a:fillRect/>
+          </a:stretch>
+        </p:blipFill>
+        <p:spPr>
+          <a:xfrm>
+            <a:off x="532018" y="1600200"/>
+            <a:ext cx="8079964" cy="4525963"/>
+          </a:xfrm>
+        </p:spPr>
+      </p:pic>
+    </p:spTree>
+  </p:cSld>
+  <p:clrMapOvr>
+    <a:masterClrMapping/>
+  </p:clrMapOvr>
+</p:sld>
+</file>
+
+<file path=ppt/slides/slide14.xml><?xml version="1.0" encoding="utf-8"?>
+<p:sld xmlns:a="http://schemas.openxmlformats.org/drawingml/2006/main" xmlns:r="http://schemas.openxmlformats.org/officeDocument/2006/relationships" xmlns:p="http://schemas.openxmlformats.org/presentationml/2006/main">
+  <p:cSld>
+    <p:spTree>
+      <p:nvGrpSpPr>
+        <p:cNvPr id="1" name=""/>
+        <p:cNvGrpSpPr/>
+        <p:nvPr/>
+      </p:nvGrpSpPr>
+      <p:grpSpPr>
+        <a:xfrm>
+          <a:off x="0" y="0"/>
+          <a:ext cx="0" cy="0"/>
+          <a:chOff x="0" y="0"/>
+          <a:chExt cx="0" cy="0"/>
+        </a:xfrm>
+      </p:grpSpPr>
+      <p:sp>
+        <p:nvSpPr>
+          <p:cNvPr id="2" name="Titre 1"/>
+          <p:cNvSpPr>
+            <a:spLocks noGrp="1"/>
+          </p:cNvSpPr>
+          <p:nvPr>
+            <p:ph type="title"/>
           </p:nvPr>
         </p:nvSpPr>
         <p:spPr/>
@@ -3992,15 +4129,393 @@
           <a:p>
             <a:r>
               <a:rPr lang="fr-FR" dirty="0" smtClean="0"/>
-              <a:t>J’ai appris à créer un écran avec le « constant </a:t>
-            </a:r>
+              <a:t>Test instrumentalisé</a:t>
+            </a:r>
+            <a:endParaRPr lang="fr-FR" dirty="0"/>
+          </a:p>
+        </p:txBody>
+      </p:sp>
+      <p:pic>
+        <p:nvPicPr>
+          <p:cNvPr id="5" name="Espace réservé du contenu 4" descr="test-instrumentalise.JPG"/>
+          <p:cNvPicPr>
+            <a:picLocks noGrp="1" noChangeAspect="1"/>
+          </p:cNvPicPr>
+          <p:nvPr>
+            <p:ph idx="1"/>
+          </p:nvPr>
+        </p:nvPicPr>
+        <p:blipFill>
+          <a:blip r:embed="rId2" cstate="print"/>
+          <a:stretch>
+            <a:fillRect/>
+          </a:stretch>
+        </p:blipFill>
+        <p:spPr>
+          <a:xfrm>
+            <a:off x="584459" y="1600200"/>
+            <a:ext cx="7975081" cy="4525963"/>
+          </a:xfrm>
+        </p:spPr>
+      </p:pic>
+    </p:spTree>
+  </p:cSld>
+  <p:clrMapOvr>
+    <a:masterClrMapping/>
+  </p:clrMapOvr>
+</p:sld>
+</file>
+
+<file path=ppt/slides/slide15.xml><?xml version="1.0" encoding="utf-8"?>
+<p:sld xmlns:a="http://schemas.openxmlformats.org/drawingml/2006/main" xmlns:r="http://schemas.openxmlformats.org/officeDocument/2006/relationships" xmlns:p="http://schemas.openxmlformats.org/presentationml/2006/main">
+  <p:cSld>
+    <p:spTree>
+      <p:nvGrpSpPr>
+        <p:cNvPr id="1" name=""/>
+        <p:cNvGrpSpPr/>
+        <p:nvPr/>
+      </p:nvGrpSpPr>
+      <p:grpSpPr>
+        <a:xfrm>
+          <a:off x="0" y="0"/>
+          <a:ext cx="0" cy="0"/>
+          <a:chOff x="0" y="0"/>
+          <a:chExt cx="0" cy="0"/>
+        </a:xfrm>
+      </p:grpSpPr>
+      <p:sp>
+        <p:nvSpPr>
+          <p:cNvPr id="2" name="Titre 1"/>
+          <p:cNvSpPr>
+            <a:spLocks noGrp="1"/>
+          </p:cNvSpPr>
+          <p:nvPr>
+            <p:ph type="title"/>
+          </p:nvPr>
+        </p:nvSpPr>
+        <p:spPr/>
+        <p:txBody>
+          <a:bodyPr/>
+          <a:lstStyle/>
+          <a:p>
             <a:r>
               <a:rPr lang="fr-FR" dirty="0" err="1" smtClean="0"/>
-              <a:t>layout</a:t>
-            </a:r>
+              <a:t>AddMeetingTest</a:t>
+            </a:r>
+            <a:endParaRPr lang="fr-FR" dirty="0"/>
+          </a:p>
+        </p:txBody>
+      </p:sp>
+      <p:pic>
+        <p:nvPicPr>
+          <p:cNvPr id="5" name="Espace réservé du contenu 4" descr="AddMeetingTest.JPG"/>
+          <p:cNvPicPr>
+            <a:picLocks noGrp="1" noChangeAspect="1"/>
+          </p:cNvPicPr>
+          <p:nvPr>
+            <p:ph idx="1"/>
+          </p:nvPr>
+        </p:nvPicPr>
+        <p:blipFill>
+          <a:blip r:embed="rId2" cstate="print"/>
+          <a:stretch>
+            <a:fillRect/>
+          </a:stretch>
+        </p:blipFill>
+        <p:spPr>
+          <a:xfrm>
+            <a:off x="545193" y="1600200"/>
+            <a:ext cx="8053613" cy="4525963"/>
+          </a:xfrm>
+        </p:spPr>
+      </p:pic>
+    </p:spTree>
+  </p:cSld>
+  <p:clrMapOvr>
+    <a:masterClrMapping/>
+  </p:clrMapOvr>
+</p:sld>
+</file>
+
+<file path=ppt/slides/slide16.xml><?xml version="1.0" encoding="utf-8"?>
+<p:sld xmlns:a="http://schemas.openxmlformats.org/drawingml/2006/main" xmlns:r="http://schemas.openxmlformats.org/officeDocument/2006/relationships" xmlns:p="http://schemas.openxmlformats.org/presentationml/2006/main">
+  <p:cSld>
+    <p:spTree>
+      <p:nvGrpSpPr>
+        <p:cNvPr id="1" name=""/>
+        <p:cNvGrpSpPr/>
+        <p:nvPr/>
+      </p:nvGrpSpPr>
+      <p:grpSpPr>
+        <a:xfrm>
+          <a:off x="0" y="0"/>
+          <a:ext cx="0" cy="0"/>
+          <a:chOff x="0" y="0"/>
+          <a:chExt cx="0" cy="0"/>
+        </a:xfrm>
+      </p:grpSpPr>
+      <p:sp>
+        <p:nvSpPr>
+          <p:cNvPr id="2" name="Titre 1"/>
+          <p:cNvSpPr>
+            <a:spLocks noGrp="1"/>
+          </p:cNvSpPr>
+          <p:nvPr>
+            <p:ph type="title"/>
+          </p:nvPr>
+        </p:nvSpPr>
+        <p:spPr/>
+        <p:txBody>
+          <a:bodyPr>
+            <a:normAutofit/>
+          </a:bodyPr>
+          <a:lstStyle/>
+          <a:p>
+            <a:r>
+              <a:rPr lang="fr-FR" dirty="0" err="1" smtClean="0"/>
+              <a:t>ErrorSameMeetingTest</a:t>
+            </a:r>
+            <a:endParaRPr lang="fr-FR" dirty="0"/>
+          </a:p>
+        </p:txBody>
+      </p:sp>
+      <p:pic>
+        <p:nvPicPr>
+          <p:cNvPr id="5" name="Espace réservé du contenu 4" descr="ErrorSameMeeting.JPG"/>
+          <p:cNvPicPr>
+            <a:picLocks noGrp="1" noChangeAspect="1"/>
+          </p:cNvPicPr>
+          <p:nvPr>
+            <p:ph idx="1"/>
+          </p:nvPr>
+        </p:nvPicPr>
+        <p:blipFill>
+          <a:blip r:embed="rId2" cstate="print"/>
+          <a:stretch>
+            <a:fillRect/>
+          </a:stretch>
+        </p:blipFill>
+        <p:spPr>
+          <a:xfrm>
+            <a:off x="522342" y="1600200"/>
+            <a:ext cx="8099315" cy="4781128"/>
+          </a:xfrm>
+        </p:spPr>
+      </p:pic>
+    </p:spTree>
+  </p:cSld>
+  <p:clrMapOvr>
+    <a:masterClrMapping/>
+  </p:clrMapOvr>
+</p:sld>
+</file>
+
+<file path=ppt/slides/slide17.xml><?xml version="1.0" encoding="utf-8"?>
+<p:sld xmlns:a="http://schemas.openxmlformats.org/drawingml/2006/main" xmlns:r="http://schemas.openxmlformats.org/officeDocument/2006/relationships" xmlns:p="http://schemas.openxmlformats.org/presentationml/2006/main">
+  <p:cSld>
+    <p:spTree>
+      <p:nvGrpSpPr>
+        <p:cNvPr id="1" name=""/>
+        <p:cNvGrpSpPr/>
+        <p:nvPr/>
+      </p:nvGrpSpPr>
+      <p:grpSpPr>
+        <a:xfrm>
+          <a:off x="0" y="0"/>
+          <a:ext cx="0" cy="0"/>
+          <a:chOff x="0" y="0"/>
+          <a:chExt cx="0" cy="0"/>
+        </a:xfrm>
+      </p:grpSpPr>
+      <p:sp>
+        <p:nvSpPr>
+          <p:cNvPr id="2" name="Titre 1"/>
+          <p:cNvSpPr>
+            <a:spLocks noGrp="1"/>
+          </p:cNvSpPr>
+          <p:nvPr>
+            <p:ph type="title"/>
+          </p:nvPr>
+        </p:nvSpPr>
+        <p:spPr/>
+        <p:txBody>
+          <a:bodyPr/>
+          <a:lstStyle/>
+          <a:p>
+            <a:r>
+              <a:rPr lang="fr-FR" dirty="0" err="1" smtClean="0"/>
+              <a:t>MeetingFilterPlaceTest</a:t>
+            </a:r>
+            <a:endParaRPr lang="fr-FR" dirty="0"/>
+          </a:p>
+        </p:txBody>
+      </p:sp>
+      <p:pic>
+        <p:nvPicPr>
+          <p:cNvPr id="4" name="Espace réservé du contenu 3" descr="MeetingFilterPlaceTest.JPG"/>
+          <p:cNvPicPr>
+            <a:picLocks noGrp="1" noChangeAspect="1"/>
+          </p:cNvPicPr>
+          <p:nvPr>
+            <p:ph idx="1"/>
+          </p:nvPr>
+        </p:nvPicPr>
+        <p:blipFill>
+          <a:blip r:embed="rId2" cstate="print"/>
+          <a:stretch>
+            <a:fillRect/>
+          </a:stretch>
+        </p:blipFill>
+        <p:spPr>
+          <a:xfrm>
+            <a:off x="545410" y="1600200"/>
+            <a:ext cx="8053180" cy="4925144"/>
+          </a:xfrm>
+        </p:spPr>
+      </p:pic>
+    </p:spTree>
+  </p:cSld>
+  <p:clrMapOvr>
+    <a:masterClrMapping/>
+  </p:clrMapOvr>
+</p:sld>
+</file>
+
+<file path=ppt/slides/slide18.xml><?xml version="1.0" encoding="utf-8"?>
+<p:sld xmlns:a="http://schemas.openxmlformats.org/drawingml/2006/main" xmlns:r="http://schemas.openxmlformats.org/officeDocument/2006/relationships" xmlns:p="http://schemas.openxmlformats.org/presentationml/2006/main">
+  <p:cSld>
+    <p:spTree>
+      <p:nvGrpSpPr>
+        <p:cNvPr id="1" name=""/>
+        <p:cNvGrpSpPr/>
+        <p:nvPr/>
+      </p:nvGrpSpPr>
+      <p:grpSpPr>
+        <a:xfrm>
+          <a:off x="0" y="0"/>
+          <a:ext cx="0" cy="0"/>
+          <a:chOff x="0" y="0"/>
+          <a:chExt cx="0" cy="0"/>
+        </a:xfrm>
+      </p:grpSpPr>
+      <p:sp>
+        <p:nvSpPr>
+          <p:cNvPr id="2" name="Titre 1"/>
+          <p:cNvSpPr>
+            <a:spLocks noGrp="1"/>
+          </p:cNvSpPr>
+          <p:nvPr>
+            <p:ph type="title"/>
+          </p:nvPr>
+        </p:nvSpPr>
+        <p:spPr/>
+        <p:txBody>
+          <a:bodyPr/>
+          <a:lstStyle/>
+          <a:p>
+            <a:r>
+              <a:rPr lang="fr-FR" dirty="0" err="1" smtClean="0"/>
+              <a:t>MeetingFilterTimeTest</a:t>
+            </a:r>
+            <a:endParaRPr lang="fr-FR" dirty="0"/>
+          </a:p>
+        </p:txBody>
+      </p:sp>
+      <p:pic>
+        <p:nvPicPr>
+          <p:cNvPr id="4" name="Espace réservé du contenu 3" descr="MeetingFilterTimeTest.JPG"/>
+          <p:cNvPicPr>
+            <a:picLocks noGrp="1" noChangeAspect="1"/>
+          </p:cNvPicPr>
+          <p:nvPr>
+            <p:ph idx="1"/>
+          </p:nvPr>
+        </p:nvPicPr>
+        <p:blipFill>
+          <a:blip r:embed="rId2" cstate="print"/>
+          <a:stretch>
+            <a:fillRect/>
+          </a:stretch>
+        </p:blipFill>
+        <p:spPr>
+          <a:xfrm>
+            <a:off x="533966" y="1600200"/>
+            <a:ext cx="8076068" cy="4853136"/>
+          </a:xfrm>
+        </p:spPr>
+      </p:pic>
+    </p:spTree>
+  </p:cSld>
+  <p:clrMapOvr>
+    <a:masterClrMapping/>
+  </p:clrMapOvr>
+</p:sld>
+</file>
+
+<file path=ppt/slides/slide19.xml><?xml version="1.0" encoding="utf-8"?>
+<p:sld xmlns:a="http://schemas.openxmlformats.org/drawingml/2006/main" xmlns:r="http://schemas.openxmlformats.org/officeDocument/2006/relationships" xmlns:p="http://schemas.openxmlformats.org/presentationml/2006/main">
+  <p:cSld>
+    <p:spTree>
+      <p:nvGrpSpPr>
+        <p:cNvPr id="1" name=""/>
+        <p:cNvGrpSpPr/>
+        <p:nvPr/>
+      </p:nvGrpSpPr>
+      <p:grpSpPr>
+        <a:xfrm>
+          <a:off x="0" y="0"/>
+          <a:ext cx="0" cy="0"/>
+          <a:chOff x="0" y="0"/>
+          <a:chExt cx="0" cy="0"/>
+        </a:xfrm>
+      </p:grpSpPr>
+      <p:sp>
+        <p:nvSpPr>
+          <p:cNvPr id="2" name="Titre 1"/>
+          <p:cNvSpPr>
+            <a:spLocks noGrp="1"/>
+          </p:cNvSpPr>
+          <p:nvPr>
+            <p:ph type="title"/>
+          </p:nvPr>
+        </p:nvSpPr>
+        <p:spPr/>
+        <p:txBody>
+          <a:bodyPr/>
+          <a:lstStyle/>
+          <a:p>
             <a:r>
               <a:rPr lang="fr-FR" dirty="0" smtClean="0"/>
-              <a:t> ».</a:t>
+              <a:t>Ce que je retiens:</a:t>
+            </a:r>
+            <a:endParaRPr lang="fr-FR" dirty="0"/>
+          </a:p>
+        </p:txBody>
+      </p:sp>
+      <p:sp>
+        <p:nvSpPr>
+          <p:cNvPr id="3" name="Espace réservé du contenu 2"/>
+          <p:cNvSpPr>
+            <a:spLocks noGrp="1"/>
+          </p:cNvSpPr>
+          <p:nvPr>
+            <p:ph idx="1"/>
+          </p:nvPr>
+        </p:nvSpPr>
+        <p:spPr/>
+        <p:txBody>
+          <a:bodyPr>
+            <a:normAutofit/>
+          </a:bodyPr>
+          <a:lstStyle/>
+          <a:p>
+            <a:r>
+              <a:rPr lang="fr-FR" dirty="0" smtClean="0"/>
+              <a:t>J’ai appris à créer un </a:t>
+            </a:r>
+            <a:r>
+              <a:rPr lang="fr-FR" dirty="0" smtClean="0"/>
+              <a:t>système de filtrage par catégorie».</a:t>
             </a:r>
             <a:endParaRPr lang="fr-FR" dirty="0" smtClean="0"/>
           </a:p>
@@ -4010,11 +4525,15 @@
           <a:p>
             <a:r>
               <a:rPr lang="fr-FR" dirty="0" smtClean="0"/>
-              <a:t>J’ai appris à </a:t>
+              <a:t>J’ai appris </a:t>
             </a:r>
             <a:r>
               <a:rPr lang="fr-FR" dirty="0" smtClean="0"/>
-              <a:t>rendre un écran dynamique.</a:t>
+              <a:t>à faire des vérifications pour des problèmes de superpositions</a:t>
+            </a:r>
+            <a:r>
+              <a:rPr lang="fr-FR" dirty="0" smtClean="0"/>
+              <a:t>.</a:t>
             </a:r>
             <a:endParaRPr lang="fr-FR" dirty="0" smtClean="0"/>
           </a:p>
@@ -4024,11 +4543,19 @@
           <a:p>
             <a:r>
               <a:rPr lang="fr-FR" dirty="0" smtClean="0"/>
-              <a:t>J’ai découvert </a:t>
+              <a:t>J’ai </a:t>
             </a:r>
             <a:r>
               <a:rPr lang="fr-FR" dirty="0" smtClean="0"/>
-              <a:t>les fragments.</a:t>
+              <a:t>améliorer mes connaissances de </a:t>
+            </a:r>
+            <a:r>
+              <a:rPr lang="fr-FR" dirty="0" err="1" smtClean="0"/>
+              <a:t>facon</a:t>
+            </a:r>
+            <a:r>
+              <a:rPr lang="fr-FR" dirty="0" smtClean="0"/>
+              <a:t> générale.</a:t>
             </a:r>
             <a:endParaRPr lang="fr-FR" dirty="0" smtClean="0"/>
           </a:p>
@@ -4098,25 +4625,53 @@
         <p:spPr/>
         <p:txBody>
           <a:bodyPr>
-            <a:normAutofit fontScale="70000" lnSpcReduction="20000"/>
+            <a:normAutofit fontScale="62500" lnSpcReduction="20000"/>
           </a:bodyPr>
           <a:lstStyle/>
           <a:p>
             <a:r>
               <a:rPr lang="fr-FR" dirty="0" smtClean="0"/>
-              <a:t>Cloner l’application </a:t>
-            </a:r>
-            <a:r>
-              <a:rPr lang="fr-FR" dirty="0" err="1" smtClean="0"/>
-              <a:t>Entrevoisins</a:t>
-            </a:r>
+              <a:t>Créer une liste de réunions comprenant:</a:t>
+            </a:r>
+          </a:p>
+          <a:p>
+            <a:pPr marL="514350" indent="-514350">
+              <a:buFont typeface="+mj-lt"/>
+              <a:buAutoNum type="arabicPeriod"/>
+            </a:pPr>
             <a:r>
               <a:rPr lang="fr-FR" dirty="0" smtClean="0"/>
-              <a:t> depuis </a:t>
-            </a:r>
+              <a:t>L’heure de la réunion</a:t>
+            </a:r>
+          </a:p>
+          <a:p>
+            <a:pPr marL="514350" indent="-514350">
+              <a:buFont typeface="+mj-lt"/>
+              <a:buAutoNum type="arabicPeriod"/>
+            </a:pPr>
             <a:r>
               <a:rPr lang="fr-FR" dirty="0" smtClean="0"/>
-              <a:t>le repo distant.</a:t>
+              <a:t>Le lieu</a:t>
+            </a:r>
+          </a:p>
+          <a:p>
+            <a:pPr marL="514350" indent="-514350">
+              <a:buFont typeface="+mj-lt"/>
+              <a:buAutoNum type="arabicPeriod"/>
+            </a:pPr>
+            <a:r>
+              <a:rPr lang="fr-FR" dirty="0" smtClean="0"/>
+              <a:t>Le sujet</a:t>
+            </a:r>
+          </a:p>
+          <a:p>
+            <a:pPr marL="514350" indent="-514350">
+              <a:buFont typeface="+mj-lt"/>
+              <a:buAutoNum type="arabicPeriod"/>
+            </a:pPr>
+            <a:r>
+              <a:rPr lang="fr-FR" dirty="0" smtClean="0"/>
+              <a:t>Les emails.</a:t>
             </a:r>
             <a:endParaRPr lang="fr-FR" dirty="0"/>
           </a:p>
@@ -4126,53 +4681,50 @@
           <a:p>
             <a:r>
               <a:rPr lang="fr-FR" dirty="0" smtClean="0"/>
-              <a:t>Développement d’une nouvelle fonctionnalité pour </a:t>
-            </a:r>
+              <a:t>Développer une fonctionnalité permettant l’ajout d’une réunion.</a:t>
+            </a:r>
+            <a:endParaRPr lang="fr-FR" dirty="0" smtClean="0"/>
+          </a:p>
+          <a:p>
+            <a:endParaRPr lang="fr-FR" dirty="0" smtClean="0"/>
+          </a:p>
+          <a:p>
             <a:r>
               <a:rPr lang="fr-FR" dirty="0" smtClean="0"/>
-              <a:t>cibler un voisin</a:t>
+              <a:t>Développer une fonctionnalité permettant </a:t>
             </a:r>
             <a:r>
               <a:rPr lang="fr-FR" dirty="0" smtClean="0"/>
-              <a:t>.</a:t>
-            </a:r>
+              <a:t>la suppression </a:t>
+            </a:r>
+            <a:r>
+              <a:rPr lang="fr-FR" dirty="0" smtClean="0"/>
+              <a:t>d’une réunion.</a:t>
+            </a:r>
+          </a:p>
+          <a:p>
             <a:endParaRPr lang="fr-FR" dirty="0" smtClean="0"/>
           </a:p>
           <a:p>
+            <a:r>
+              <a:rPr lang="fr-FR" dirty="0" smtClean="0"/>
+              <a:t>Développer une fonctionnalité permettant </a:t>
+            </a:r>
+            <a:r>
+              <a:rPr lang="fr-FR" dirty="0" smtClean="0"/>
+              <a:t>de filtrer l’affichage des réunions par lieu ou par heure.</a:t>
+            </a:r>
             <a:endParaRPr lang="fr-FR" dirty="0" smtClean="0"/>
           </a:p>
           <a:p>
+            <a:endParaRPr lang="fr-FR" dirty="0" smtClean="0"/>
+          </a:p>
+          <a:p>
             <a:r>
               <a:rPr lang="fr-FR" dirty="0" smtClean="0"/>
-              <a:t>Développement d’une nouvelle fonctionnalité pour </a:t>
-            </a:r>
-            <a:r>
-              <a:rPr lang="fr-FR" dirty="0" smtClean="0"/>
-              <a:t>ajouter/supprimer un voisin dans la liste des favoris.</a:t>
-            </a:r>
-          </a:p>
-          <a:p>
+              <a:t>Réaliser un test unitaire et un test instrumentalisé.</a:t>
+            </a:r>
             <a:endParaRPr lang="fr-FR" dirty="0" smtClean="0"/>
-          </a:p>
-          <a:p>
-            <a:r>
-              <a:rPr lang="fr-FR" dirty="0" smtClean="0"/>
-              <a:t>Amélioration de la navigation en ajoutant un bouton « back » depuis l’écran ou l’on cible l’utilisateur pour revenir à l’écran de la liste des utilisateurs.</a:t>
-            </a:r>
-            <a:endParaRPr lang="fr-FR" dirty="0" smtClean="0"/>
-          </a:p>
-          <a:p>
-            <a:endParaRPr lang="fr-FR" dirty="0" smtClean="0"/>
-          </a:p>
-          <a:p>
-            <a:r>
-              <a:rPr lang="fr-FR" dirty="0" smtClean="0"/>
-              <a:t>Améliorer l’expérience utilisateur</a:t>
-            </a:r>
-            <a:r>
-              <a:rPr lang="fr-FR" dirty="0" smtClean="0"/>
-              <a:t>.</a:t>
-            </a:r>
           </a:p>
           <a:p>
             <a:endParaRPr lang="fr-FR" dirty="0" smtClean="0"/>
@@ -4285,7 +4837,7 @@
         <p:spPr/>
         <p:txBody>
           <a:bodyPr>
-            <a:normAutofit fontScale="90000"/>
+            <a:normAutofit/>
           </a:bodyPr>
           <a:lstStyle/>
           <a:p>
@@ -4294,12 +4846,8 @@
               <a:t>Création du « </a:t>
             </a:r>
             <a:r>
-              <a:rPr lang="fr-FR" dirty="0" err="1" smtClean="0"/>
-              <a:t>activity_focus_neighbour</a:t>
-            </a:r>
-            <a:r>
               <a:rPr lang="fr-FR" dirty="0" smtClean="0"/>
-              <a:t> »</a:t>
+              <a:t>meeting_list.xml»</a:t>
             </a:r>
             <a:endParaRPr lang="fr-FR" dirty="0"/>
           </a:p>
@@ -4307,7 +4855,7 @@
       </p:sp>
       <p:pic>
         <p:nvPicPr>
-          <p:cNvPr id="6" name="Espace réservé du contenu 5" descr="focusNeighbourActivity.JPG"/>
+          <p:cNvPr id="5" name="Espace réservé du contenu 4" descr="screen_meeting_list.JPG"/>
           <p:cNvPicPr>
             <a:picLocks noGrp="1" noChangeAspect="1"/>
           </p:cNvPicPr>
@@ -4323,8 +4871,8 @@
         </p:blipFill>
         <p:spPr>
           <a:xfrm>
-            <a:off x="458534" y="1600200"/>
-            <a:ext cx="8226932" cy="4525963"/>
+            <a:off x="515428" y="1600200"/>
+            <a:ext cx="8113144" cy="4525963"/>
           </a:xfrm>
         </p:spPr>
       </p:pic>
@@ -4375,20 +4923,16 @@
               <a:t>Création du « </a:t>
             </a:r>
             <a:r>
-              <a:rPr lang="fr-FR" dirty="0" err="1" smtClean="0"/>
-              <a:t>focusActivity</a:t>
-            </a:r>
-            <a:r>
               <a:rPr lang="fr-FR" dirty="0" smtClean="0"/>
-              <a:t> » relié au fichier </a:t>
-            </a:r>
-            <a:r>
-              <a:rPr lang="fr-FR" dirty="0" err="1" smtClean="0"/>
-              <a:t>xml</a:t>
+              <a:t>create_meeting.xml</a:t>
             </a:r>
             <a:r>
               <a:rPr lang="fr-FR" dirty="0" smtClean="0"/>
-              <a:t> correspondant</a:t>
+              <a:t> </a:t>
+            </a:r>
+            <a:r>
+              <a:rPr lang="fr-FR" dirty="0" smtClean="0"/>
+              <a:t>»</a:t>
             </a:r>
             <a:endParaRPr lang="fr-FR" dirty="0"/>
           </a:p>
@@ -4396,7 +4940,7 @@
       </p:sp>
       <p:pic>
         <p:nvPicPr>
-          <p:cNvPr id="6" name="Espace réservé du contenu 5" descr="focusActivity.JPG"/>
+          <p:cNvPr id="5" name="Espace réservé du contenu 4" descr="screen_create_meeting.JPG"/>
           <p:cNvPicPr>
             <a:picLocks noGrp="1" noChangeAspect="1"/>
           </p:cNvPicPr>
@@ -4412,8 +4956,8 @@
         </p:blipFill>
         <p:spPr>
           <a:xfrm>
-            <a:off x="683569" y="1600200"/>
-            <a:ext cx="7992888" cy="4781128"/>
+            <a:off x="501628" y="1600200"/>
+            <a:ext cx="8140744" cy="4525963"/>
           </a:xfrm>
         </p:spPr>
       </p:pic>
@@ -4453,32 +4997,53 @@
           </p:nvPr>
         </p:nvSpPr>
         <p:spPr/>
-        <p:style>
-          <a:lnRef idx="3">
-            <a:schemeClr val="lt1"/>
-          </a:lnRef>
-          <a:fillRef idx="1">
-            <a:schemeClr val="accent1"/>
-          </a:fillRef>
-          <a:effectRef idx="1">
-            <a:schemeClr val="accent1"/>
-          </a:effectRef>
-          <a:fontRef idx="minor">
-            <a:schemeClr val="lt1"/>
-          </a:fontRef>
-        </p:style>
-        <p:txBody>
-          <a:bodyPr/>
-          <a:lstStyle/>
-          <a:p>
+        <p:txBody>
+          <a:bodyPr/>
+          <a:lstStyle/>
+          <a:p>
+            <a:r>
+              <a:rPr lang="fr-FR" dirty="0" err="1" smtClean="0"/>
+              <a:t>Crétion</a:t>
+            </a:r>
             <a:r>
               <a:rPr lang="fr-FR" dirty="0" smtClean="0"/>
-              <a:t>Les tests</a:t>
-            </a:r>
-            <a:endParaRPr lang="fr-FR" dirty="0"/>
-          </a:p>
-        </p:txBody>
-      </p:sp>
+              <a:t> du « </a:t>
+            </a:r>
+            <a:r>
+              <a:rPr lang="fr-FR" dirty="0" err="1" smtClean="0"/>
+              <a:t>AddMeetingActivity</a:t>
+            </a:r>
+            <a:r>
+              <a:rPr lang="fr-FR" dirty="0" smtClean="0"/>
+              <a:t> »</a:t>
+            </a:r>
+            <a:endParaRPr lang="fr-FR" dirty="0"/>
+          </a:p>
+        </p:txBody>
+      </p:sp>
+      <p:pic>
+        <p:nvPicPr>
+          <p:cNvPr id="4" name="Espace réservé du contenu 3" descr="addMeetingActivity.JPG"/>
+          <p:cNvPicPr>
+            <a:picLocks noGrp="1" noChangeAspect="1"/>
+          </p:cNvPicPr>
+          <p:nvPr>
+            <p:ph idx="1"/>
+          </p:nvPr>
+        </p:nvPicPr>
+        <p:blipFill>
+          <a:blip r:embed="rId2" cstate="print"/>
+          <a:stretch>
+            <a:fillRect/>
+          </a:stretch>
+        </p:blipFill>
+        <p:spPr>
+          <a:xfrm>
+            <a:off x="557303" y="1600200"/>
+            <a:ext cx="8029394" cy="4925144"/>
+          </a:xfrm>
+        </p:spPr>
+      </p:pic>
     </p:spTree>
   </p:cSld>
   <p:clrMapOvr>
@@ -4521,11 +5086,15 @@
           <a:p>
             <a:r>
               <a:rPr lang="fr-FR" dirty="0" smtClean="0"/>
-              <a:t>Test </a:t>
+              <a:t>Création du « </a:t>
+            </a:r>
+            <a:r>
+              <a:rPr lang="fr-FR" dirty="0" err="1" smtClean="0"/>
+              <a:t>MeetingListActivity</a:t>
             </a:r>
             <a:r>
               <a:rPr lang="fr-FR" dirty="0" smtClean="0"/>
-              <a:t>unitaire</a:t>
+              <a:t> »</a:t>
             </a:r>
             <a:endParaRPr lang="fr-FR" dirty="0"/>
           </a:p>
@@ -4533,7 +5102,7 @@
       </p:sp>
       <p:pic>
         <p:nvPicPr>
-          <p:cNvPr id="6" name="Espace réservé du contenu 5" descr="test_unitaire.JPG"/>
+          <p:cNvPr id="4" name="Espace réservé du contenu 3" descr="MeetingListActivity.JPG"/>
           <p:cNvPicPr>
             <a:picLocks noGrp="1" noChangeAspect="1"/>
           </p:cNvPicPr>
@@ -4549,8 +5118,8 @@
         </p:blipFill>
         <p:spPr>
           <a:xfrm>
-            <a:off x="457200" y="1484784"/>
-            <a:ext cx="8229600" cy="4968552"/>
+            <a:off x="541918" y="1600200"/>
+            <a:ext cx="8060164" cy="4853136"/>
           </a:xfrm>
         </p:spPr>
       </p:pic>
@@ -4597,16 +5166,12 @@
           <a:lstStyle/>
           <a:p>
             <a:r>
+              <a:rPr lang="fr-FR" dirty="0" smtClean="0"/>
+              <a:t>Création du « </a:t>
+            </a:r>
+            <a:r>
               <a:rPr lang="fr-FR" dirty="0" err="1" smtClean="0"/>
-              <a:t>Screenshot</a:t>
-            </a:r>
-            <a:r>
-              <a:rPr lang="fr-FR" dirty="0" smtClean="0"/>
-              <a:t>  du « </a:t>
-            </a:r>
-            <a:r>
-              <a:rPr lang="fr-FR" dirty="0" err="1" smtClean="0"/>
-              <a:t>NeighbourServiceTest</a:t>
+              <a:t>MeetingListAdapter</a:t>
             </a:r>
             <a:r>
               <a:rPr lang="fr-FR" dirty="0" smtClean="0"/>
@@ -4618,7 +5183,7 @@
       </p:sp>
       <p:pic>
         <p:nvPicPr>
-          <p:cNvPr id="6" name="Espace réservé du contenu 5" descr="NeighbourServiceTest.JPG"/>
+          <p:cNvPr id="4" name="Espace réservé du contenu 3" descr="MeetingListAdapter.JPG"/>
           <p:cNvPicPr>
             <a:picLocks noGrp="1" noChangeAspect="1"/>
           </p:cNvPicPr>
@@ -4634,8 +5199,8 @@
         </p:blipFill>
         <p:spPr>
           <a:xfrm>
-            <a:off x="457200" y="1637996"/>
-            <a:ext cx="8229600" cy="4815340"/>
+            <a:off x="532018" y="1600200"/>
+            <a:ext cx="8079964" cy="4853136"/>
           </a:xfrm>
         </p:spPr>
       </p:pic>
@@ -4676,18 +5241,12 @@
         </p:nvSpPr>
         <p:spPr/>
         <p:txBody>
-          <a:bodyPr>
-            <a:normAutofit/>
-          </a:bodyPr>
+          <a:bodyPr/>
           <a:lstStyle/>
           <a:p>
             <a:r>
               <a:rPr lang="fr-FR" dirty="0" smtClean="0"/>
-              <a:t>Test </a:t>
-            </a:r>
-            <a:r>
-              <a:rPr lang="fr-FR" dirty="0" smtClean="0"/>
-              <a:t>instrumentalisé</a:t>
+              <a:t>Création du model « Meeting »</a:t>
             </a:r>
             <a:endParaRPr lang="fr-FR" dirty="0"/>
           </a:p>
@@ -4695,7 +5254,7 @@
       </p:sp>
       <p:pic>
         <p:nvPicPr>
-          <p:cNvPr id="6" name="Espace réservé du contenu 5" descr="test_instrumentalise.JPG"/>
+          <p:cNvPr id="4" name="Espace réservé du contenu 3" descr="model_Meeting.JPG"/>
           <p:cNvPicPr>
             <a:picLocks noGrp="1" noChangeAspect="1"/>
           </p:cNvPicPr>
@@ -4711,8 +5270,8 @@
         </p:blipFill>
         <p:spPr>
           <a:xfrm>
-            <a:off x="457200" y="1340768"/>
-            <a:ext cx="8229600" cy="5040559"/>
+            <a:off x="522676" y="1600200"/>
+            <a:ext cx="8098648" cy="4925144"/>
           </a:xfrm>
         </p:spPr>
       </p:pic>

--- a/powerpoint/projet_4_powerpoint.pptx
+++ b/powerpoint/projet_4_powerpoint.pptx
@@ -211,7 +211,7 @@
             <a:fld id="{AB34DA66-0BDC-4D7B-B407-8DCF8152765F}" type="datetimeFigureOut">
               <a:rPr lang="fr-FR" smtClean="0"/>
               <a:pPr/>
-              <a:t>06/08/2022</a:t>
+              <a:t>01/09/2022</a:t>
             </a:fld>
             <a:endParaRPr lang="fr-FR" dirty="0"/>
           </a:p>
@@ -730,19 +730,93 @@
                 <a:ea typeface="+mn-ea"/>
                 <a:cs typeface="+mn-cs"/>
               </a:rPr>
-              <a:t> et donc de l’émulateur pour </a:t>
-            </a:r>
-            <a:r>
-              <a:rPr lang="fr-FR" sz="1200" b="0" i="0" kern="1200" smtClean="0">
-                <a:solidFill>
-                  <a:schemeClr val="tx1"/>
-                </a:solidFill>
-                <a:latin typeface="+mn-lt"/>
-                <a:ea typeface="+mn-ea"/>
-                <a:cs typeface="+mn-cs"/>
-              </a:rPr>
-              <a:t>pouvoir utiliser ses API.</a:t>
-            </a:r>
+              <a:t> et donc de l’émulateur pour pouvoir utiliser ses API.</a:t>
+            </a:r>
+            <a:endParaRPr lang="fr-FR" smtClean="0"/>
+          </a:p>
+          <a:p>
+            <a:endParaRPr lang="fr-FR"/>
+          </a:p>
+        </p:txBody>
+      </p:sp>
+      <p:sp>
+        <p:nvSpPr>
+          <p:cNvPr id="4" name="Espace réservé du numéro de diapositive 3"/>
+          <p:cNvSpPr>
+            <a:spLocks noGrp="1"/>
+          </p:cNvSpPr>
+          <p:nvPr>
+            <p:ph type="sldNum" sz="quarter" idx="10"/>
+          </p:nvPr>
+        </p:nvSpPr>
+        <p:spPr/>
+        <p:txBody>
+          <a:bodyPr/>
+          <a:lstStyle/>
+          <a:p>
+            <a:fld id="{2B49FABD-355A-4D24-A732-C39FCEB28E81}" type="slidenum">
+              <a:rPr lang="fr-FR" smtClean="0"/>
+              <a:pPr/>
+              <a:t>11</a:t>
+            </a:fld>
+            <a:endParaRPr lang="fr-FR" dirty="0"/>
+          </a:p>
+        </p:txBody>
+      </p:sp>
+    </p:spTree>
+  </p:cSld>
+  <p:clrMapOvr>
+    <a:masterClrMapping/>
+  </p:clrMapOvr>
+</p:notes>
+</file>
+
+<file path=ppt/notesSlides/notesSlide3.xml><?xml version="1.0" encoding="utf-8"?>
+<p:notes xmlns:a="http://schemas.openxmlformats.org/drawingml/2006/main" xmlns:r="http://schemas.openxmlformats.org/officeDocument/2006/relationships" xmlns:p="http://schemas.openxmlformats.org/presentationml/2006/main">
+  <p:cSld>
+    <p:spTree>
+      <p:nvGrpSpPr>
+        <p:cNvPr id="1" name=""/>
+        <p:cNvGrpSpPr/>
+        <p:nvPr/>
+      </p:nvGrpSpPr>
+      <p:grpSpPr>
+        <a:xfrm>
+          <a:off x="0" y="0"/>
+          <a:ext cx="0" cy="0"/>
+          <a:chOff x="0" y="0"/>
+          <a:chExt cx="0" cy="0"/>
+        </a:xfrm>
+      </p:grpSpPr>
+      <p:sp>
+        <p:nvSpPr>
+          <p:cNvPr id="2" name="Espace réservé de l'image des diapositives 1"/>
+          <p:cNvSpPr>
+            <a:spLocks noGrp="1" noRot="1" noChangeAspect="1"/>
+          </p:cNvSpPr>
+          <p:nvPr>
+            <p:ph type="sldImg"/>
+          </p:nvPr>
+        </p:nvSpPr>
+        <p:spPr/>
+      </p:sp>
+      <p:sp>
+        <p:nvSpPr>
+          <p:cNvPr id="3" name="Espace réservé des commentaires 2"/>
+          <p:cNvSpPr>
+            <a:spLocks noGrp="1"/>
+          </p:cNvSpPr>
+          <p:nvPr>
+            <p:ph type="body" idx="1"/>
+          </p:nvPr>
+        </p:nvSpPr>
+        <p:spPr/>
+        <p:txBody>
+          <a:bodyPr>
+            <a:normAutofit/>
+          </a:bodyPr>
+          <a:lstStyle/>
+          <a:p>
             <a:endParaRPr lang="fr-FR" dirty="0"/>
           </a:p>
         </p:txBody>
@@ -961,7 +1035,7 @@
             <a:fld id="{50A0C516-A153-4A99-B119-9FF8F0A57598}" type="datetimeFigureOut">
               <a:rPr lang="fr-FR" smtClean="0"/>
               <a:pPr/>
-              <a:t>06/08/2022</a:t>
+              <a:t>01/09/2022</a:t>
             </a:fld>
             <a:endParaRPr lang="fr-FR" dirty="0"/>
           </a:p>
@@ -1128,7 +1202,7 @@
             <a:fld id="{50A0C516-A153-4A99-B119-9FF8F0A57598}" type="datetimeFigureOut">
               <a:rPr lang="fr-FR" smtClean="0"/>
               <a:pPr/>
-              <a:t>06/08/2022</a:t>
+              <a:t>01/09/2022</a:t>
             </a:fld>
             <a:endParaRPr lang="fr-FR" dirty="0"/>
           </a:p>
@@ -1305,7 +1379,7 @@
             <a:fld id="{50A0C516-A153-4A99-B119-9FF8F0A57598}" type="datetimeFigureOut">
               <a:rPr lang="fr-FR" smtClean="0"/>
               <a:pPr/>
-              <a:t>06/08/2022</a:t>
+              <a:t>01/09/2022</a:t>
             </a:fld>
             <a:endParaRPr lang="fr-FR" dirty="0"/>
           </a:p>
@@ -1472,7 +1546,7 @@
             <a:fld id="{50A0C516-A153-4A99-B119-9FF8F0A57598}" type="datetimeFigureOut">
               <a:rPr lang="fr-FR" smtClean="0"/>
               <a:pPr/>
-              <a:t>06/08/2022</a:t>
+              <a:t>01/09/2022</a:t>
             </a:fld>
             <a:endParaRPr lang="fr-FR" dirty="0"/>
           </a:p>
@@ -1715,7 +1789,7 @@
             <a:fld id="{50A0C516-A153-4A99-B119-9FF8F0A57598}" type="datetimeFigureOut">
               <a:rPr lang="fr-FR" smtClean="0"/>
               <a:pPr/>
-              <a:t>06/08/2022</a:t>
+              <a:t>01/09/2022</a:t>
             </a:fld>
             <a:endParaRPr lang="fr-FR" dirty="0"/>
           </a:p>
@@ -2000,7 +2074,7 @@
             <a:fld id="{50A0C516-A153-4A99-B119-9FF8F0A57598}" type="datetimeFigureOut">
               <a:rPr lang="fr-FR" smtClean="0"/>
               <a:pPr/>
-              <a:t>06/08/2022</a:t>
+              <a:t>01/09/2022</a:t>
             </a:fld>
             <a:endParaRPr lang="fr-FR" dirty="0"/>
           </a:p>
@@ -2419,7 +2493,7 @@
             <a:fld id="{50A0C516-A153-4A99-B119-9FF8F0A57598}" type="datetimeFigureOut">
               <a:rPr lang="fr-FR" smtClean="0"/>
               <a:pPr/>
-              <a:t>06/08/2022</a:t>
+              <a:t>01/09/2022</a:t>
             </a:fld>
             <a:endParaRPr lang="fr-FR" dirty="0"/>
           </a:p>
@@ -2534,7 +2608,7 @@
             <a:fld id="{50A0C516-A153-4A99-B119-9FF8F0A57598}" type="datetimeFigureOut">
               <a:rPr lang="fr-FR" smtClean="0"/>
               <a:pPr/>
-              <a:t>06/08/2022</a:t>
+              <a:t>01/09/2022</a:t>
             </a:fld>
             <a:endParaRPr lang="fr-FR" dirty="0"/>
           </a:p>
@@ -2626,7 +2700,7 @@
             <a:fld id="{50A0C516-A153-4A99-B119-9FF8F0A57598}" type="datetimeFigureOut">
               <a:rPr lang="fr-FR" smtClean="0"/>
               <a:pPr/>
-              <a:t>06/08/2022</a:t>
+              <a:t>01/09/2022</a:t>
             </a:fld>
             <a:endParaRPr lang="fr-FR" dirty="0"/>
           </a:p>
@@ -2900,7 +2974,7 @@
             <a:fld id="{50A0C516-A153-4A99-B119-9FF8F0A57598}" type="datetimeFigureOut">
               <a:rPr lang="fr-FR" smtClean="0"/>
               <a:pPr/>
-              <a:t>06/08/2022</a:t>
+              <a:t>01/09/2022</a:t>
             </a:fld>
             <a:endParaRPr lang="fr-FR" dirty="0"/>
           </a:p>
@@ -3150,7 +3224,7 @@
             <a:fld id="{50A0C516-A153-4A99-B119-9FF8F0A57598}" type="datetimeFigureOut">
               <a:rPr lang="fr-FR" smtClean="0"/>
               <a:pPr/>
-              <a:t>06/08/2022</a:t>
+              <a:t>01/09/2022</a:t>
             </a:fld>
             <a:endParaRPr lang="fr-FR" dirty="0"/>
           </a:p>
@@ -3360,7 +3434,7 @@
             <a:fld id="{50A0C516-A153-4A99-B119-9FF8F0A57598}" type="datetimeFigureOut">
               <a:rPr lang="fr-FR" smtClean="0"/>
               <a:pPr/>
-              <a:t>06/08/2022</a:t>
+              <a:t>01/09/2022</a:t>
             </a:fld>
             <a:endParaRPr lang="fr-FR" dirty="0"/>
           </a:p>
@@ -3755,11 +3829,7 @@
             </a:br>
             <a:r>
               <a:rPr lang="fr-FR" dirty="0" smtClean="0"/>
-              <a:t>Projet </a:t>
-            </a:r>
-            <a:r>
-              <a:rPr lang="fr-FR" dirty="0" smtClean="0"/>
-              <a:t>4 </a:t>
+              <a:t>Projet 4 </a:t>
             </a:r>
             <a:endParaRPr lang="fr-FR" dirty="0"/>
           </a:p>
@@ -4511,11 +4581,11 @@
           <a:p>
             <a:r>
               <a:rPr lang="fr-FR" dirty="0" smtClean="0"/>
-              <a:t>J’ai appris à créer un </a:t>
+              <a:t>J’ai appris à créer un système de filtrage par </a:t>
             </a:r>
             <a:r>
               <a:rPr lang="fr-FR" dirty="0" smtClean="0"/>
-              <a:t>système de filtrage par catégorie».</a:t>
+              <a:t>catégorie.</a:t>
             </a:r>
             <a:endParaRPr lang="fr-FR" dirty="0" smtClean="0"/>
           </a:p>
@@ -4525,39 +4595,25 @@
           <a:p>
             <a:r>
               <a:rPr lang="fr-FR" dirty="0" smtClean="0"/>
-              <a:t>J’ai appris </a:t>
-            </a:r>
+              <a:t>J’ai appris à faire des vérifications pour des problèmes de superpositions.</a:t>
+            </a:r>
+          </a:p>
+          <a:p>
+            <a:endParaRPr lang="fr-FR" dirty="0" smtClean="0"/>
+          </a:p>
+          <a:p>
             <a:r>
               <a:rPr lang="fr-FR" dirty="0" smtClean="0"/>
-              <a:t>à faire des vérifications pour des problèmes de superpositions</a:t>
+              <a:t>J’ai améliorer mes connaissances de </a:t>
             </a:r>
             <a:r>
               <a:rPr lang="fr-FR" dirty="0" smtClean="0"/>
-              <a:t>.</a:t>
-            </a:r>
-            <a:endParaRPr lang="fr-FR" dirty="0" smtClean="0"/>
-          </a:p>
-          <a:p>
-            <a:endParaRPr lang="fr-FR" dirty="0" smtClean="0"/>
-          </a:p>
-          <a:p>
+              <a:t>façon </a:t>
+            </a:r>
             <a:r>
               <a:rPr lang="fr-FR" dirty="0" smtClean="0"/>
-              <a:t>J’ai </a:t>
-            </a:r>
-            <a:r>
-              <a:rPr lang="fr-FR" dirty="0" smtClean="0"/>
-              <a:t>améliorer mes connaissances de </a:t>
-            </a:r>
-            <a:r>
-              <a:rPr lang="fr-FR" dirty="0" err="1" smtClean="0"/>
-              <a:t>facon</a:t>
-            </a:r>
-            <a:r>
-              <a:rPr lang="fr-FR" dirty="0" smtClean="0"/>
-              <a:t> générale.</a:t>
-            </a:r>
-            <a:endParaRPr lang="fr-FR" dirty="0" smtClean="0"/>
+              <a:t>générale.</a:t>
+            </a:r>
           </a:p>
           <a:p>
             <a:endParaRPr lang="fr-FR" dirty="0" smtClean="0"/>
@@ -4683,38 +4739,24 @@
               <a:rPr lang="fr-FR" dirty="0" smtClean="0"/>
               <a:t>Développer une fonctionnalité permettant l’ajout d’une réunion.</a:t>
             </a:r>
+          </a:p>
+          <a:p>
             <a:endParaRPr lang="fr-FR" dirty="0" smtClean="0"/>
           </a:p>
           <a:p>
+            <a:r>
+              <a:rPr lang="fr-FR" dirty="0" smtClean="0"/>
+              <a:t>Développer une fonctionnalité permettant la suppression d’une réunion.</a:t>
+            </a:r>
+          </a:p>
+          <a:p>
             <a:endParaRPr lang="fr-FR" dirty="0" smtClean="0"/>
           </a:p>
           <a:p>
             <a:r>
               <a:rPr lang="fr-FR" dirty="0" smtClean="0"/>
-              <a:t>Développer une fonctionnalité permettant </a:t>
-            </a:r>
-            <a:r>
-              <a:rPr lang="fr-FR" dirty="0" smtClean="0"/>
-              <a:t>la suppression </a:t>
-            </a:r>
-            <a:r>
-              <a:rPr lang="fr-FR" dirty="0" smtClean="0"/>
-              <a:t>d’une réunion.</a:t>
-            </a:r>
-          </a:p>
-          <a:p>
-            <a:endParaRPr lang="fr-FR" dirty="0" smtClean="0"/>
-          </a:p>
-          <a:p>
-            <a:r>
-              <a:rPr lang="fr-FR" dirty="0" smtClean="0"/>
-              <a:t>Développer une fonctionnalité permettant </a:t>
-            </a:r>
-            <a:r>
-              <a:rPr lang="fr-FR" dirty="0" smtClean="0"/>
-              <a:t>de filtrer l’affichage des réunions par lieu ou par heure.</a:t>
-            </a:r>
-            <a:endParaRPr lang="fr-FR" dirty="0" smtClean="0"/>
+              <a:t>Développer une fonctionnalité permettant de filtrer l’affichage des réunions par lieu ou par heure.</a:t>
+            </a:r>
           </a:p>
           <a:p>
             <a:endParaRPr lang="fr-FR" dirty="0" smtClean="0"/>
@@ -4724,7 +4766,6 @@
               <a:rPr lang="fr-FR" dirty="0" smtClean="0"/>
               <a:t>Réaliser un test unitaire et un test instrumentalisé.</a:t>
             </a:r>
-            <a:endParaRPr lang="fr-FR" dirty="0" smtClean="0"/>
           </a:p>
           <a:p>
             <a:endParaRPr lang="fr-FR" dirty="0" smtClean="0"/>
@@ -4843,11 +4884,7 @@
           <a:p>
             <a:r>
               <a:rPr lang="fr-FR" dirty="0" smtClean="0"/>
-              <a:t>Création du « </a:t>
-            </a:r>
-            <a:r>
-              <a:rPr lang="fr-FR" dirty="0" smtClean="0"/>
-              <a:t>meeting_list.xml»</a:t>
+              <a:t>Création du « meeting_list.xml»</a:t>
             </a:r>
             <a:endParaRPr lang="fr-FR" dirty="0"/>
           </a:p>
@@ -4920,19 +4957,7 @@
           <a:p>
             <a:r>
               <a:rPr lang="fr-FR" dirty="0" smtClean="0"/>
-              <a:t>Création du « </a:t>
-            </a:r>
-            <a:r>
-              <a:rPr lang="fr-FR" dirty="0" smtClean="0"/>
-              <a:t>create_meeting.xml</a:t>
-            </a:r>
-            <a:r>
-              <a:rPr lang="fr-FR" dirty="0" smtClean="0"/>
-              <a:t> </a:t>
-            </a:r>
-            <a:r>
-              <a:rPr lang="fr-FR" dirty="0" smtClean="0"/>
-              <a:t>»</a:t>
+              <a:t>Création du « create_meeting.xml »</a:t>
             </a:r>
             <a:endParaRPr lang="fr-FR" dirty="0"/>
           </a:p>

--- a/powerpoint/projet_4_powerpoint.pptx
+++ b/powerpoint/projet_4_powerpoint.pptx
@@ -732,10 +732,10 @@
               </a:rPr>
               <a:t> et donc de l’émulateur pour pouvoir utiliser ses API.</a:t>
             </a:r>
-            <a:endParaRPr lang="fr-FR" smtClean="0"/>
-          </a:p>
-          <a:p>
-            <a:endParaRPr lang="fr-FR"/>
+            <a:endParaRPr lang="fr-FR" dirty="0" smtClean="0"/>
+          </a:p>
+          <a:p>
+            <a:endParaRPr lang="fr-FR" dirty="0"/>
           </a:p>
         </p:txBody>
       </p:sp>

--- a/powerpoint/projet_4_powerpoint.pptx
+++ b/powerpoint/projet_4_powerpoint.pptx
@@ -5,7 +5,7 @@
     <p:sldMasterId id="2147483648" r:id="rId1"/>
   </p:sldMasterIdLst>
   <p:notesMasterIdLst>
-    <p:notesMasterId r:id="rId21"/>
+    <p:notesMasterId r:id="rId23"/>
   </p:notesMasterIdLst>
   <p:sldIdLst>
     <p:sldId id="256" r:id="rId2"/>
@@ -14,19 +14,21 @@
     <p:sldId id="269" r:id="rId5"/>
     <p:sldId id="270" r:id="rId6"/>
     <p:sldId id="273" r:id="rId7"/>
-    <p:sldId id="274" r:id="rId8"/>
-    <p:sldId id="275" r:id="rId9"/>
-    <p:sldId id="276" r:id="rId10"/>
-    <p:sldId id="277" r:id="rId11"/>
-    <p:sldId id="266" r:id="rId12"/>
-    <p:sldId id="259" r:id="rId13"/>
-    <p:sldId id="261" r:id="rId14"/>
-    <p:sldId id="262" r:id="rId15"/>
-    <p:sldId id="263" r:id="rId16"/>
-    <p:sldId id="264" r:id="rId17"/>
-    <p:sldId id="278" r:id="rId18"/>
-    <p:sldId id="279" r:id="rId19"/>
-    <p:sldId id="272" r:id="rId20"/>
+    <p:sldId id="280" r:id="rId8"/>
+    <p:sldId id="281" r:id="rId9"/>
+    <p:sldId id="274" r:id="rId10"/>
+    <p:sldId id="275" r:id="rId11"/>
+    <p:sldId id="276" r:id="rId12"/>
+    <p:sldId id="277" r:id="rId13"/>
+    <p:sldId id="266" r:id="rId14"/>
+    <p:sldId id="259" r:id="rId15"/>
+    <p:sldId id="261" r:id="rId16"/>
+    <p:sldId id="262" r:id="rId17"/>
+    <p:sldId id="263" r:id="rId18"/>
+    <p:sldId id="264" r:id="rId19"/>
+    <p:sldId id="278" r:id="rId20"/>
+    <p:sldId id="279" r:id="rId21"/>
+    <p:sldId id="272" r:id="rId22"/>
   </p:sldIdLst>
   <p:sldSz cx="9144000" cy="6858000" type="screen4x3"/>
   <p:notesSz cx="6858000" cy="9144000"/>
@@ -211,7 +213,7 @@
             <a:fld id="{AB34DA66-0BDC-4D7B-B407-8DCF8152765F}" type="datetimeFigureOut">
               <a:rPr lang="fr-FR" smtClean="0"/>
               <a:pPr/>
-              <a:t>01/09/2022</a:t>
+              <a:t>27/12/2022</a:t>
             </a:fld>
             <a:endParaRPr lang="fr-FR" dirty="0"/>
           </a:p>
@@ -757,7 +759,7 @@
             <a:fld id="{2B49FABD-355A-4D24-A732-C39FCEB28E81}" type="slidenum">
               <a:rPr lang="fr-FR" smtClean="0"/>
               <a:pPr/>
-              <a:t>11</a:t>
+              <a:t>13</a:t>
             </a:fld>
             <a:endParaRPr lang="fr-FR" dirty="0"/>
           </a:p>
@@ -839,7 +841,7 @@
             <a:fld id="{2B49FABD-355A-4D24-A732-C39FCEB28E81}" type="slidenum">
               <a:rPr lang="fr-FR" smtClean="0"/>
               <a:pPr/>
-              <a:t>19</a:t>
+              <a:t>21</a:t>
             </a:fld>
             <a:endParaRPr lang="fr-FR" dirty="0"/>
           </a:p>
@@ -1035,7 +1037,7 @@
             <a:fld id="{50A0C516-A153-4A99-B119-9FF8F0A57598}" type="datetimeFigureOut">
               <a:rPr lang="fr-FR" smtClean="0"/>
               <a:pPr/>
-              <a:t>01/09/2022</a:t>
+              <a:t>27/12/2022</a:t>
             </a:fld>
             <a:endParaRPr lang="fr-FR" dirty="0"/>
           </a:p>
@@ -1202,7 +1204,7 @@
             <a:fld id="{50A0C516-A153-4A99-B119-9FF8F0A57598}" type="datetimeFigureOut">
               <a:rPr lang="fr-FR" smtClean="0"/>
               <a:pPr/>
-              <a:t>01/09/2022</a:t>
+              <a:t>27/12/2022</a:t>
             </a:fld>
             <a:endParaRPr lang="fr-FR" dirty="0"/>
           </a:p>
@@ -1379,7 +1381,7 @@
             <a:fld id="{50A0C516-A153-4A99-B119-9FF8F0A57598}" type="datetimeFigureOut">
               <a:rPr lang="fr-FR" smtClean="0"/>
               <a:pPr/>
-              <a:t>01/09/2022</a:t>
+              <a:t>27/12/2022</a:t>
             </a:fld>
             <a:endParaRPr lang="fr-FR" dirty="0"/>
           </a:p>
@@ -1546,7 +1548,7 @@
             <a:fld id="{50A0C516-A153-4A99-B119-9FF8F0A57598}" type="datetimeFigureOut">
               <a:rPr lang="fr-FR" smtClean="0"/>
               <a:pPr/>
-              <a:t>01/09/2022</a:t>
+              <a:t>27/12/2022</a:t>
             </a:fld>
             <a:endParaRPr lang="fr-FR" dirty="0"/>
           </a:p>
@@ -1789,7 +1791,7 @@
             <a:fld id="{50A0C516-A153-4A99-B119-9FF8F0A57598}" type="datetimeFigureOut">
               <a:rPr lang="fr-FR" smtClean="0"/>
               <a:pPr/>
-              <a:t>01/09/2022</a:t>
+              <a:t>27/12/2022</a:t>
             </a:fld>
             <a:endParaRPr lang="fr-FR" dirty="0"/>
           </a:p>
@@ -2074,7 +2076,7 @@
             <a:fld id="{50A0C516-A153-4A99-B119-9FF8F0A57598}" type="datetimeFigureOut">
               <a:rPr lang="fr-FR" smtClean="0"/>
               <a:pPr/>
-              <a:t>01/09/2022</a:t>
+              <a:t>27/12/2022</a:t>
             </a:fld>
             <a:endParaRPr lang="fr-FR" dirty="0"/>
           </a:p>
@@ -2493,7 +2495,7 @@
             <a:fld id="{50A0C516-A153-4A99-B119-9FF8F0A57598}" type="datetimeFigureOut">
               <a:rPr lang="fr-FR" smtClean="0"/>
               <a:pPr/>
-              <a:t>01/09/2022</a:t>
+              <a:t>27/12/2022</a:t>
             </a:fld>
             <a:endParaRPr lang="fr-FR" dirty="0"/>
           </a:p>
@@ -2608,7 +2610,7 @@
             <a:fld id="{50A0C516-A153-4A99-B119-9FF8F0A57598}" type="datetimeFigureOut">
               <a:rPr lang="fr-FR" smtClean="0"/>
               <a:pPr/>
-              <a:t>01/09/2022</a:t>
+              <a:t>27/12/2022</a:t>
             </a:fld>
             <a:endParaRPr lang="fr-FR" dirty="0"/>
           </a:p>
@@ -2700,7 +2702,7 @@
             <a:fld id="{50A0C516-A153-4A99-B119-9FF8F0A57598}" type="datetimeFigureOut">
               <a:rPr lang="fr-FR" smtClean="0"/>
               <a:pPr/>
-              <a:t>01/09/2022</a:t>
+              <a:t>27/12/2022</a:t>
             </a:fld>
             <a:endParaRPr lang="fr-FR" dirty="0"/>
           </a:p>
@@ -2974,7 +2976,7 @@
             <a:fld id="{50A0C516-A153-4A99-B119-9FF8F0A57598}" type="datetimeFigureOut">
               <a:rPr lang="fr-FR" smtClean="0"/>
               <a:pPr/>
-              <a:t>01/09/2022</a:t>
+              <a:t>27/12/2022</a:t>
             </a:fld>
             <a:endParaRPr lang="fr-FR" dirty="0"/>
           </a:p>
@@ -3224,7 +3226,7 @@
             <a:fld id="{50A0C516-A153-4A99-B119-9FF8F0A57598}" type="datetimeFigureOut">
               <a:rPr lang="fr-FR" smtClean="0"/>
               <a:pPr/>
-              <a:t>01/09/2022</a:t>
+              <a:t>27/12/2022</a:t>
             </a:fld>
             <a:endParaRPr lang="fr-FR" dirty="0"/>
           </a:p>
@@ -3434,7 +3436,7 @@
             <a:fld id="{50A0C516-A153-4A99-B119-9FF8F0A57598}" type="datetimeFigureOut">
               <a:rPr lang="fr-FR" smtClean="0"/>
               <a:pPr/>
-              <a:t>01/09/2022</a:t>
+              <a:t>27/12/2022</a:t>
             </a:fld>
             <a:endParaRPr lang="fr-FR" dirty="0"/>
           </a:p>
@@ -3895,7 +3897,9 @@
         </p:nvSpPr>
         <p:spPr/>
         <p:txBody>
-          <a:bodyPr/>
+          <a:bodyPr>
+            <a:normAutofit fontScale="90000"/>
+          </a:bodyPr>
           <a:lstStyle/>
           <a:p>
             <a:r>
@@ -3904,7 +3908,7 @@
             </a:r>
             <a:r>
               <a:rPr lang="fr-FR" dirty="0" err="1" smtClean="0"/>
-              <a:t>DummyApiService</a:t>
+              <a:t>MeetingListAdapter</a:t>
             </a:r>
             <a:r>
               <a:rPr lang="fr-FR" dirty="0" smtClean="0"/>
@@ -3916,7 +3920,7 @@
       </p:sp>
       <p:pic>
         <p:nvPicPr>
-          <p:cNvPr id="4" name="Espace réservé du contenu 3" descr="Dummy.JPG"/>
+          <p:cNvPr id="4" name="Espace réservé du contenu 3" descr="MeetingListAdapter.JPG"/>
           <p:cNvPicPr>
             <a:picLocks noGrp="1" noChangeAspect="1"/>
           </p:cNvPicPr>
@@ -3932,8 +3936,8 @@
         </p:blipFill>
         <p:spPr>
           <a:xfrm>
-            <a:off x="540275" y="1600200"/>
-            <a:ext cx="8063449" cy="4997152"/>
+            <a:off x="532018" y="1600200"/>
+            <a:ext cx="8079964" cy="4853136"/>
           </a:xfrm>
         </p:spPr>
       </p:pic>
@@ -3973,32 +3977,41 @@
           </p:nvPr>
         </p:nvSpPr>
         <p:spPr/>
-        <p:style>
-          <a:lnRef idx="3">
-            <a:schemeClr val="lt1"/>
-          </a:lnRef>
-          <a:fillRef idx="1">
-            <a:schemeClr val="accent1"/>
-          </a:fillRef>
-          <a:effectRef idx="1">
-            <a:schemeClr val="accent1"/>
-          </a:effectRef>
-          <a:fontRef idx="minor">
-            <a:schemeClr val="lt1"/>
-          </a:fontRef>
-        </p:style>
         <p:txBody>
           <a:bodyPr/>
           <a:lstStyle/>
           <a:p>
             <a:r>
               <a:rPr lang="fr-FR" dirty="0" smtClean="0"/>
-              <a:t>Les tests</a:t>
-            </a:r>
-            <a:endParaRPr lang="fr-FR" dirty="0"/>
-          </a:p>
-        </p:txBody>
-      </p:sp>
+              <a:t>Création du model « Meeting »</a:t>
+            </a:r>
+            <a:endParaRPr lang="fr-FR" dirty="0"/>
+          </a:p>
+        </p:txBody>
+      </p:sp>
+      <p:pic>
+        <p:nvPicPr>
+          <p:cNvPr id="4" name="Espace réservé du contenu 3" descr="model_Meeting.JPG"/>
+          <p:cNvPicPr>
+            <a:picLocks noGrp="1" noChangeAspect="1"/>
+          </p:cNvPicPr>
+          <p:nvPr>
+            <p:ph idx="1"/>
+          </p:nvPr>
+        </p:nvPicPr>
+        <p:blipFill>
+          <a:blip r:embed="rId2" cstate="print"/>
+          <a:stretch>
+            <a:fillRect/>
+          </a:stretch>
+        </p:blipFill>
+        <p:spPr>
+          <a:xfrm>
+            <a:off x="522676" y="1600200"/>
+            <a:ext cx="8098648" cy="4925144"/>
+          </a:xfrm>
+        </p:spPr>
+      </p:pic>
     </p:spTree>
   </p:cSld>
   <p:clrMapOvr>
@@ -4041,7 +4054,15 @@
           <a:p>
             <a:r>
               <a:rPr lang="fr-FR" dirty="0" smtClean="0"/>
-              <a:t>Test unitaire</a:t>
+              <a:t>Création du « </a:t>
+            </a:r>
+            <a:r>
+              <a:rPr lang="fr-FR" dirty="0" err="1" smtClean="0"/>
+              <a:t>DummyApiService</a:t>
+            </a:r>
+            <a:r>
+              <a:rPr lang="fr-FR" dirty="0" smtClean="0"/>
+              <a:t> »</a:t>
             </a:r>
             <a:endParaRPr lang="fr-FR" dirty="0"/>
           </a:p>
@@ -4049,7 +4070,7 @@
       </p:sp>
       <p:pic>
         <p:nvPicPr>
-          <p:cNvPr id="5" name="Espace réservé du contenu 4" descr="test_unitaire.JPG"/>
+          <p:cNvPr id="4" name="Espace réservé du contenu 3" descr="Dummy.JPG"/>
           <p:cNvPicPr>
             <a:picLocks noGrp="1" noChangeAspect="1"/>
           </p:cNvPicPr>
@@ -4065,8 +4086,8 @@
         </p:blipFill>
         <p:spPr>
           <a:xfrm>
-            <a:off x="547869" y="1600200"/>
-            <a:ext cx="8048261" cy="4525963"/>
+            <a:off x="540275" y="1600200"/>
+            <a:ext cx="8063449" cy="4997152"/>
           </a:xfrm>
         </p:spPr>
       </p:pic>
@@ -4106,55 +4127,32 @@
           </p:nvPr>
         </p:nvSpPr>
         <p:spPr/>
-        <p:txBody>
-          <a:bodyPr>
-            <a:normAutofit fontScale="90000"/>
-          </a:bodyPr>
-          <a:lstStyle/>
-          <a:p>
-            <a:r>
-              <a:rPr lang="fr-FR" dirty="0" err="1" smtClean="0"/>
-              <a:t>Screenshot</a:t>
-            </a:r>
+        <p:style>
+          <a:lnRef idx="3">
+            <a:schemeClr val="lt1"/>
+          </a:lnRef>
+          <a:fillRef idx="1">
+            <a:schemeClr val="accent1"/>
+          </a:fillRef>
+          <a:effectRef idx="1">
+            <a:schemeClr val="accent1"/>
+          </a:effectRef>
+          <a:fontRef idx="minor">
+            <a:schemeClr val="lt1"/>
+          </a:fontRef>
+        </p:style>
+        <p:txBody>
+          <a:bodyPr/>
+          <a:lstStyle/>
+          <a:p>
             <a:r>
               <a:rPr lang="fr-FR" dirty="0" smtClean="0"/>
-              <a:t>  du « </a:t>
-            </a:r>
-            <a:r>
-              <a:rPr lang="fr-FR" dirty="0" err="1" smtClean="0"/>
-              <a:t>MeetingServiceTest</a:t>
-            </a:r>
-            <a:r>
-              <a:rPr lang="fr-FR" dirty="0" smtClean="0"/>
-              <a:t> »</a:t>
-            </a:r>
-            <a:endParaRPr lang="fr-FR" dirty="0"/>
-          </a:p>
-        </p:txBody>
-      </p:sp>
-      <p:pic>
-        <p:nvPicPr>
-          <p:cNvPr id="5" name="Espace réservé du contenu 4" descr="MeetingServiceTest.JPG"/>
-          <p:cNvPicPr>
-            <a:picLocks noGrp="1" noChangeAspect="1"/>
-          </p:cNvPicPr>
-          <p:nvPr>
-            <p:ph idx="1"/>
-          </p:nvPr>
-        </p:nvPicPr>
-        <p:blipFill>
-          <a:blip r:embed="rId2" cstate="print"/>
-          <a:stretch>
-            <a:fillRect/>
-          </a:stretch>
-        </p:blipFill>
-        <p:spPr>
-          <a:xfrm>
-            <a:off x="532018" y="1600200"/>
-            <a:ext cx="8079964" cy="4525963"/>
-          </a:xfrm>
-        </p:spPr>
-      </p:pic>
+              <a:t>Les tests</a:t>
+            </a:r>
+            <a:endParaRPr lang="fr-FR" dirty="0"/>
+          </a:p>
+        </p:txBody>
+      </p:sp>
     </p:spTree>
   </p:cSld>
   <p:clrMapOvr>
@@ -4192,14 +4190,12 @@
         </p:nvSpPr>
         <p:spPr/>
         <p:txBody>
-          <a:bodyPr>
-            <a:normAutofit/>
-          </a:bodyPr>
+          <a:bodyPr/>
           <a:lstStyle/>
           <a:p>
             <a:r>
               <a:rPr lang="fr-FR" dirty="0" smtClean="0"/>
-              <a:t>Test instrumentalisé</a:t>
+              <a:t>Test unitaire</a:t>
             </a:r>
             <a:endParaRPr lang="fr-FR" dirty="0"/>
           </a:p>
@@ -4207,7 +4203,7 @@
       </p:sp>
       <p:pic>
         <p:nvPicPr>
-          <p:cNvPr id="5" name="Espace réservé du contenu 4" descr="test-instrumentalise.JPG"/>
+          <p:cNvPr id="5" name="Espace réservé du contenu 4" descr="test_unitaire.JPG"/>
           <p:cNvPicPr>
             <a:picLocks noGrp="1" noChangeAspect="1"/>
           </p:cNvPicPr>
@@ -4223,8 +4219,8 @@
         </p:blipFill>
         <p:spPr>
           <a:xfrm>
-            <a:off x="584459" y="1600200"/>
-            <a:ext cx="7975081" cy="4525963"/>
+            <a:off x="547869" y="1600200"/>
+            <a:ext cx="8048261" cy="4525963"/>
           </a:xfrm>
         </p:spPr>
       </p:pic>
@@ -4265,12 +4261,26 @@
         </p:nvSpPr>
         <p:spPr/>
         <p:txBody>
-          <a:bodyPr/>
+          <a:bodyPr>
+            <a:normAutofit fontScale="90000"/>
+          </a:bodyPr>
           <a:lstStyle/>
           <a:p>
             <a:r>
               <a:rPr lang="fr-FR" dirty="0" err="1" smtClean="0"/>
-              <a:t>AddMeetingTest</a:t>
+              <a:t>Screenshot</a:t>
+            </a:r>
+            <a:r>
+              <a:rPr lang="fr-FR" dirty="0" smtClean="0"/>
+              <a:t>  du « </a:t>
+            </a:r>
+            <a:r>
+              <a:rPr lang="fr-FR" dirty="0" err="1" smtClean="0"/>
+              <a:t>MeetingServiceTest</a:t>
+            </a:r>
+            <a:r>
+              <a:rPr lang="fr-FR" dirty="0" smtClean="0"/>
+              <a:t> »</a:t>
             </a:r>
             <a:endParaRPr lang="fr-FR" dirty="0"/>
           </a:p>
@@ -4278,7 +4288,7 @@
       </p:sp>
       <p:pic>
         <p:nvPicPr>
-          <p:cNvPr id="5" name="Espace réservé du contenu 4" descr="AddMeetingTest.JPG"/>
+          <p:cNvPr id="5" name="Espace réservé du contenu 4" descr="MeetingServiceTest.JPG"/>
           <p:cNvPicPr>
             <a:picLocks noGrp="1" noChangeAspect="1"/>
           </p:cNvPicPr>
@@ -4294,8 +4304,8 @@
         </p:blipFill>
         <p:spPr>
           <a:xfrm>
-            <a:off x="545193" y="1600200"/>
-            <a:ext cx="8053613" cy="4525963"/>
+            <a:off x="532018" y="1600200"/>
+            <a:ext cx="8079964" cy="4525963"/>
           </a:xfrm>
         </p:spPr>
       </p:pic>
@@ -4342,8 +4352,8 @@
           <a:lstStyle/>
           <a:p>
             <a:r>
-              <a:rPr lang="fr-FR" dirty="0" err="1" smtClean="0"/>
-              <a:t>ErrorSameMeetingTest</a:t>
+              <a:rPr lang="fr-FR" dirty="0" smtClean="0"/>
+              <a:t>Test instrumentalisé</a:t>
             </a:r>
             <a:endParaRPr lang="fr-FR" dirty="0"/>
           </a:p>
@@ -4351,7 +4361,7 @@
       </p:sp>
       <p:pic>
         <p:nvPicPr>
-          <p:cNvPr id="5" name="Espace réservé du contenu 4" descr="ErrorSameMeeting.JPG"/>
+          <p:cNvPr id="5" name="Espace réservé du contenu 4" descr="test-instrumentalise.JPG"/>
           <p:cNvPicPr>
             <a:picLocks noGrp="1" noChangeAspect="1"/>
           </p:cNvPicPr>
@@ -4367,8 +4377,8 @@
         </p:blipFill>
         <p:spPr>
           <a:xfrm>
-            <a:off x="522342" y="1600200"/>
-            <a:ext cx="8099315" cy="4781128"/>
+            <a:off x="584459" y="1600200"/>
+            <a:ext cx="7975081" cy="4525963"/>
           </a:xfrm>
         </p:spPr>
       </p:pic>
@@ -4414,7 +4424,7 @@
           <a:p>
             <a:r>
               <a:rPr lang="fr-FR" dirty="0" err="1" smtClean="0"/>
-              <a:t>MeetingFilterPlaceTest</a:t>
+              <a:t>AddMeetingTest</a:t>
             </a:r>
             <a:endParaRPr lang="fr-FR" dirty="0"/>
           </a:p>
@@ -4422,7 +4432,7 @@
       </p:sp>
       <p:pic>
         <p:nvPicPr>
-          <p:cNvPr id="4" name="Espace réservé du contenu 3" descr="MeetingFilterPlaceTest.JPG"/>
+          <p:cNvPr id="5" name="Espace réservé du contenu 4" descr="AddMeetingTest.JPG"/>
           <p:cNvPicPr>
             <a:picLocks noGrp="1" noChangeAspect="1"/>
           </p:cNvPicPr>
@@ -4438,8 +4448,8 @@
         </p:blipFill>
         <p:spPr>
           <a:xfrm>
-            <a:off x="545410" y="1600200"/>
-            <a:ext cx="8053180" cy="4925144"/>
+            <a:off x="545193" y="1600200"/>
+            <a:ext cx="8053613" cy="4525963"/>
           </a:xfrm>
         </p:spPr>
       </p:pic>
@@ -4480,12 +4490,14 @@
         </p:nvSpPr>
         <p:spPr/>
         <p:txBody>
-          <a:bodyPr/>
+          <a:bodyPr>
+            <a:normAutofit/>
+          </a:bodyPr>
           <a:lstStyle/>
           <a:p>
             <a:r>
               <a:rPr lang="fr-FR" dirty="0" err="1" smtClean="0"/>
-              <a:t>MeetingFilterTimeTest</a:t>
+              <a:t>ErrorSameMeetingTest</a:t>
             </a:r>
             <a:endParaRPr lang="fr-FR" dirty="0"/>
           </a:p>
@@ -4493,7 +4505,7 @@
       </p:sp>
       <p:pic>
         <p:nvPicPr>
-          <p:cNvPr id="4" name="Espace réservé du contenu 3" descr="MeetingFilterTimeTest.JPG"/>
+          <p:cNvPr id="5" name="Espace réservé du contenu 4" descr="ErrorSameMeeting.JPG"/>
           <p:cNvPicPr>
             <a:picLocks noGrp="1" noChangeAspect="1"/>
           </p:cNvPicPr>
@@ -4509,8 +4521,8 @@
         </p:blipFill>
         <p:spPr>
           <a:xfrm>
-            <a:off x="533966" y="1600200"/>
-            <a:ext cx="8076068" cy="4853136"/>
+            <a:off x="522342" y="1600200"/>
+            <a:ext cx="8099315" cy="4781128"/>
           </a:xfrm>
         </p:spPr>
       </p:pic>
@@ -4555,71 +4567,36 @@
           <a:lstStyle/>
           <a:p>
             <a:r>
-              <a:rPr lang="fr-FR" dirty="0" smtClean="0"/>
-              <a:t>Ce que je retiens:</a:t>
-            </a:r>
-            <a:endParaRPr lang="fr-FR" dirty="0"/>
-          </a:p>
-        </p:txBody>
-      </p:sp>
-      <p:sp>
-        <p:nvSpPr>
-          <p:cNvPr id="3" name="Espace réservé du contenu 2"/>
-          <p:cNvSpPr>
-            <a:spLocks noGrp="1"/>
-          </p:cNvSpPr>
+              <a:rPr lang="fr-FR" dirty="0" err="1" smtClean="0"/>
+              <a:t>MeetingFilterPlaceTest</a:t>
+            </a:r>
+            <a:endParaRPr lang="fr-FR" dirty="0"/>
+          </a:p>
+        </p:txBody>
+      </p:sp>
+      <p:pic>
+        <p:nvPicPr>
+          <p:cNvPr id="4" name="Espace réservé du contenu 3" descr="MeetingFilterPlaceTest.JPG"/>
+          <p:cNvPicPr>
+            <a:picLocks noGrp="1" noChangeAspect="1"/>
+          </p:cNvPicPr>
           <p:nvPr>
             <p:ph idx="1"/>
           </p:nvPr>
-        </p:nvSpPr>
-        <p:spPr/>
-        <p:txBody>
-          <a:bodyPr>
-            <a:normAutofit/>
-          </a:bodyPr>
-          <a:lstStyle/>
-          <a:p>
-            <a:r>
-              <a:rPr lang="fr-FR" dirty="0" smtClean="0"/>
-              <a:t>J’ai appris à créer un système de filtrage par </a:t>
-            </a:r>
-            <a:r>
-              <a:rPr lang="fr-FR" dirty="0" smtClean="0"/>
-              <a:t>catégorie.</a:t>
-            </a:r>
-            <a:endParaRPr lang="fr-FR" dirty="0" smtClean="0"/>
-          </a:p>
-          <a:p>
-            <a:endParaRPr lang="fr-FR" dirty="0" smtClean="0"/>
-          </a:p>
-          <a:p>
-            <a:r>
-              <a:rPr lang="fr-FR" dirty="0" smtClean="0"/>
-              <a:t>J’ai appris à faire des vérifications pour des problèmes de superpositions.</a:t>
-            </a:r>
-          </a:p>
-          <a:p>
-            <a:endParaRPr lang="fr-FR" dirty="0" smtClean="0"/>
-          </a:p>
-          <a:p>
-            <a:r>
-              <a:rPr lang="fr-FR" dirty="0" smtClean="0"/>
-              <a:t>J’ai améliorer mes connaissances de </a:t>
-            </a:r>
-            <a:r>
-              <a:rPr lang="fr-FR" dirty="0" smtClean="0"/>
-              <a:t>façon </a:t>
-            </a:r>
-            <a:r>
-              <a:rPr lang="fr-FR" dirty="0" smtClean="0"/>
-              <a:t>générale.</a:t>
-            </a:r>
-          </a:p>
-          <a:p>
-            <a:endParaRPr lang="fr-FR" dirty="0" smtClean="0"/>
-          </a:p>
-        </p:txBody>
-      </p:sp>
+        </p:nvPicPr>
+        <p:blipFill>
+          <a:blip r:embed="rId2" cstate="print"/>
+          <a:stretch>
+            <a:fillRect/>
+          </a:stretch>
+        </p:blipFill>
+        <p:spPr>
+          <a:xfrm>
+            <a:off x="545410" y="1600200"/>
+            <a:ext cx="8053180" cy="4925144"/>
+          </a:xfrm>
+        </p:spPr>
+      </p:pic>
     </p:spTree>
   </p:cSld>
   <p:clrMapOvr>
@@ -4775,6 +4752,170 @@
           </a:p>
           <a:p>
             <a:endParaRPr lang="fr-FR" dirty="0"/>
+          </a:p>
+        </p:txBody>
+      </p:sp>
+    </p:spTree>
+  </p:cSld>
+  <p:clrMapOvr>
+    <a:masterClrMapping/>
+  </p:clrMapOvr>
+</p:sld>
+</file>
+
+<file path=ppt/slides/slide20.xml><?xml version="1.0" encoding="utf-8"?>
+<p:sld xmlns:a="http://schemas.openxmlformats.org/drawingml/2006/main" xmlns:r="http://schemas.openxmlformats.org/officeDocument/2006/relationships" xmlns:p="http://schemas.openxmlformats.org/presentationml/2006/main">
+  <p:cSld>
+    <p:spTree>
+      <p:nvGrpSpPr>
+        <p:cNvPr id="1" name=""/>
+        <p:cNvGrpSpPr/>
+        <p:nvPr/>
+      </p:nvGrpSpPr>
+      <p:grpSpPr>
+        <a:xfrm>
+          <a:off x="0" y="0"/>
+          <a:ext cx="0" cy="0"/>
+          <a:chOff x="0" y="0"/>
+          <a:chExt cx="0" cy="0"/>
+        </a:xfrm>
+      </p:grpSpPr>
+      <p:sp>
+        <p:nvSpPr>
+          <p:cNvPr id="2" name="Titre 1"/>
+          <p:cNvSpPr>
+            <a:spLocks noGrp="1"/>
+          </p:cNvSpPr>
+          <p:nvPr>
+            <p:ph type="title"/>
+          </p:nvPr>
+        </p:nvSpPr>
+        <p:spPr/>
+        <p:txBody>
+          <a:bodyPr/>
+          <a:lstStyle/>
+          <a:p>
+            <a:r>
+              <a:rPr lang="fr-FR" dirty="0" err="1" smtClean="0"/>
+              <a:t>MeetingFilterTimeTest</a:t>
+            </a:r>
+            <a:endParaRPr lang="fr-FR" dirty="0"/>
+          </a:p>
+        </p:txBody>
+      </p:sp>
+      <p:pic>
+        <p:nvPicPr>
+          <p:cNvPr id="4" name="Espace réservé du contenu 3" descr="MeetingFilterTimeTest.JPG"/>
+          <p:cNvPicPr>
+            <a:picLocks noGrp="1" noChangeAspect="1"/>
+          </p:cNvPicPr>
+          <p:nvPr>
+            <p:ph idx="1"/>
+          </p:nvPr>
+        </p:nvPicPr>
+        <p:blipFill>
+          <a:blip r:embed="rId2" cstate="print"/>
+          <a:stretch>
+            <a:fillRect/>
+          </a:stretch>
+        </p:blipFill>
+        <p:spPr>
+          <a:xfrm>
+            <a:off x="533966" y="1600200"/>
+            <a:ext cx="8076068" cy="4853136"/>
+          </a:xfrm>
+        </p:spPr>
+      </p:pic>
+    </p:spTree>
+  </p:cSld>
+  <p:clrMapOvr>
+    <a:masterClrMapping/>
+  </p:clrMapOvr>
+</p:sld>
+</file>
+
+<file path=ppt/slides/slide21.xml><?xml version="1.0" encoding="utf-8"?>
+<p:sld xmlns:a="http://schemas.openxmlformats.org/drawingml/2006/main" xmlns:r="http://schemas.openxmlformats.org/officeDocument/2006/relationships" xmlns:p="http://schemas.openxmlformats.org/presentationml/2006/main">
+  <p:cSld>
+    <p:spTree>
+      <p:nvGrpSpPr>
+        <p:cNvPr id="1" name=""/>
+        <p:cNvGrpSpPr/>
+        <p:nvPr/>
+      </p:nvGrpSpPr>
+      <p:grpSpPr>
+        <a:xfrm>
+          <a:off x="0" y="0"/>
+          <a:ext cx="0" cy="0"/>
+          <a:chOff x="0" y="0"/>
+          <a:chExt cx="0" cy="0"/>
+        </a:xfrm>
+      </p:grpSpPr>
+      <p:sp>
+        <p:nvSpPr>
+          <p:cNvPr id="2" name="Titre 1"/>
+          <p:cNvSpPr>
+            <a:spLocks noGrp="1"/>
+          </p:cNvSpPr>
+          <p:nvPr>
+            <p:ph type="title"/>
+          </p:nvPr>
+        </p:nvSpPr>
+        <p:spPr/>
+        <p:txBody>
+          <a:bodyPr/>
+          <a:lstStyle/>
+          <a:p>
+            <a:r>
+              <a:rPr lang="fr-FR" dirty="0" smtClean="0"/>
+              <a:t>Ce que je retiens:</a:t>
+            </a:r>
+            <a:endParaRPr lang="fr-FR" dirty="0"/>
+          </a:p>
+        </p:txBody>
+      </p:sp>
+      <p:sp>
+        <p:nvSpPr>
+          <p:cNvPr id="3" name="Espace réservé du contenu 2"/>
+          <p:cNvSpPr>
+            <a:spLocks noGrp="1"/>
+          </p:cNvSpPr>
+          <p:nvPr>
+            <p:ph idx="1"/>
+          </p:nvPr>
+        </p:nvSpPr>
+        <p:spPr/>
+        <p:txBody>
+          <a:bodyPr>
+            <a:normAutofit/>
+          </a:bodyPr>
+          <a:lstStyle/>
+          <a:p>
+            <a:r>
+              <a:rPr lang="fr-FR" dirty="0" smtClean="0"/>
+              <a:t>J’ai appris à créer un système de filtrage par catégorie.</a:t>
+            </a:r>
+          </a:p>
+          <a:p>
+            <a:endParaRPr lang="fr-FR" dirty="0" smtClean="0"/>
+          </a:p>
+          <a:p>
+            <a:r>
+              <a:rPr lang="fr-FR" dirty="0" smtClean="0"/>
+              <a:t>J’ai appris à faire des vérifications pour des problèmes de superpositions.</a:t>
+            </a:r>
+          </a:p>
+          <a:p>
+            <a:endParaRPr lang="fr-FR" dirty="0" smtClean="0"/>
+          </a:p>
+          <a:p>
+            <a:r>
+              <a:rPr lang="fr-FR" dirty="0" smtClean="0"/>
+              <a:t>J’ai améliorer mes connaissances de façon générale.</a:t>
+            </a:r>
+          </a:p>
+          <a:p>
+            <a:endParaRPr lang="fr-FR" dirty="0" smtClean="0"/>
           </a:p>
         </p:txBody>
       </p:sp>
@@ -5111,15 +5252,11 @@
           <a:p>
             <a:r>
               <a:rPr lang="fr-FR" dirty="0" smtClean="0"/>
-              <a:t>Création du « </a:t>
+              <a:t>Ajout du </a:t>
             </a:r>
             <a:r>
               <a:rPr lang="fr-FR" dirty="0" err="1" smtClean="0"/>
-              <a:t>MeetingListActivity</a:t>
-            </a:r>
-            <a:r>
-              <a:rPr lang="fr-FR" dirty="0" smtClean="0"/>
-              <a:t> »</a:t>
+              <a:t>calendar</a:t>
             </a:r>
             <a:endParaRPr lang="fr-FR" dirty="0"/>
           </a:p>
@@ -5127,7 +5264,7 @@
       </p:sp>
       <p:pic>
         <p:nvPicPr>
-          <p:cNvPr id="4" name="Espace réservé du contenu 3" descr="MeetingListActivity.JPG"/>
+          <p:cNvPr id="4" name="Espace réservé du contenu 3" descr="Capture.JPG"/>
           <p:cNvPicPr>
             <a:picLocks noGrp="1" noChangeAspect="1"/>
           </p:cNvPicPr>
@@ -5143,8 +5280,8 @@
         </p:blipFill>
         <p:spPr>
           <a:xfrm>
-            <a:off x="541918" y="1600200"/>
-            <a:ext cx="8060164" cy="4853136"/>
+            <a:off x="395536" y="1600200"/>
+            <a:ext cx="8208912" cy="4525963"/>
           </a:xfrm>
         </p:spPr>
       </p:pic>
@@ -5185,22 +5322,16 @@
         </p:nvSpPr>
         <p:spPr/>
         <p:txBody>
-          <a:bodyPr>
-            <a:normAutofit fontScale="90000"/>
-          </a:bodyPr>
+          <a:bodyPr/>
           <a:lstStyle/>
           <a:p>
             <a:r>
               <a:rPr lang="fr-FR" dirty="0" smtClean="0"/>
-              <a:t>Création du « </a:t>
+              <a:t>Ajout du </a:t>
             </a:r>
             <a:r>
               <a:rPr lang="fr-FR" dirty="0" err="1" smtClean="0"/>
-              <a:t>MeetingListAdapter</a:t>
-            </a:r>
-            <a:r>
-              <a:rPr lang="fr-FR" dirty="0" smtClean="0"/>
-              <a:t> »</a:t>
+              <a:t>calendar</a:t>
             </a:r>
             <a:endParaRPr lang="fr-FR" dirty="0"/>
           </a:p>
@@ -5208,7 +5339,7 @@
       </p:sp>
       <p:pic>
         <p:nvPicPr>
-          <p:cNvPr id="4" name="Espace réservé du contenu 3" descr="MeetingListAdapter.JPG"/>
+          <p:cNvPr id="4" name="Espace réservé du contenu 3" descr="Capture1.JPG"/>
           <p:cNvPicPr>
             <a:picLocks noGrp="1" noChangeAspect="1"/>
           </p:cNvPicPr>
@@ -5224,9 +5355,33 @@
         </p:blipFill>
         <p:spPr>
           <a:xfrm>
-            <a:off x="532018" y="1600200"/>
-            <a:ext cx="8079964" cy="4853136"/>
+            <a:off x="1187624" y="1556792"/>
+            <a:ext cx="2419049" cy="4525963"/>
           </a:xfrm>
+        </p:spPr>
+      </p:pic>
+      <p:pic>
+        <p:nvPicPr>
+          <p:cNvPr id="5" name="Image 4" descr="Capture2.JPG"/>
+          <p:cNvPicPr>
+            <a:picLocks noChangeAspect="1"/>
+          </p:cNvPicPr>
+          <p:nvPr/>
+        </p:nvPicPr>
+        <p:blipFill>
+          <a:blip r:embed="rId3" cstate="print"/>
+          <a:stretch>
+            <a:fillRect/>
+          </a:stretch>
+        </p:blipFill>
+        <p:spPr>
+          <a:xfrm>
+            <a:off x="5076056" y="1556792"/>
+            <a:ext cx="2376264" cy="4536504"/>
+          </a:xfrm>
+          <a:prstGeom prst="rect">
+            <a:avLst/>
+          </a:prstGeom>
         </p:spPr>
       </p:pic>
     </p:spTree>
@@ -5271,7 +5426,15 @@
           <a:p>
             <a:r>
               <a:rPr lang="fr-FR" dirty="0" smtClean="0"/>
-              <a:t>Création du model « Meeting »</a:t>
+              <a:t>Création du « </a:t>
+            </a:r>
+            <a:r>
+              <a:rPr lang="fr-FR" dirty="0" err="1" smtClean="0"/>
+              <a:t>MeetingListActivity</a:t>
+            </a:r>
+            <a:r>
+              <a:rPr lang="fr-FR" dirty="0" smtClean="0"/>
+              <a:t> »</a:t>
             </a:r>
             <a:endParaRPr lang="fr-FR" dirty="0"/>
           </a:p>
@@ -5279,7 +5442,7 @@
       </p:sp>
       <p:pic>
         <p:nvPicPr>
-          <p:cNvPr id="4" name="Espace réservé du contenu 3" descr="model_Meeting.JPG"/>
+          <p:cNvPr id="4" name="Espace réservé du contenu 3" descr="MeetingListActivity.JPG"/>
           <p:cNvPicPr>
             <a:picLocks noGrp="1" noChangeAspect="1"/>
           </p:cNvPicPr>
@@ -5295,8 +5458,8 @@
         </p:blipFill>
         <p:spPr>
           <a:xfrm>
-            <a:off x="522676" y="1600200"/>
-            <a:ext cx="8098648" cy="4925144"/>
+            <a:off x="541918" y="1600200"/>
+            <a:ext cx="8060164" cy="4853136"/>
           </a:xfrm>
         </p:spPr>
       </p:pic>
